--- a/Ge1_2_UnityとC#.pptx
+++ b/Ge1_2_UnityとC#.pptx
@@ -16,10 +16,7 @@
     <p:sldId id="274" r:id="rId10"/>
     <p:sldId id="273" r:id="rId11"/>
     <p:sldId id="271" r:id="rId12"/>
-    <p:sldId id="275" r:id="rId13"/>
-    <p:sldId id="276" r:id="rId14"/>
-    <p:sldId id="272" r:id="rId15"/>
-    <p:sldId id="265" r:id="rId16"/>
+    <p:sldId id="265" r:id="rId13"/>
   </p:sldIdLst>
   <p:sldSz cx="12192000" cy="6858000"/>
   <p:notesSz cx="6858000" cy="9144000"/>
@@ -285,7 +282,7 @@
           <a:p>
             <a:fld id="{691E08CE-871E-42A1-882B-8194E9FA60B7}" type="datetimeFigureOut">
               <a:rPr kumimoji="1" lang="ja-JP" altLang="en-US" smtClean="0"/>
-              <a:t>2023/4/20</a:t>
+              <a:t>2024/6/28</a:t>
             </a:fld>
             <a:endParaRPr kumimoji="1" lang="ja-JP" altLang="en-US"/>
           </a:p>
@@ -515,7 +512,7 @@
           <a:p>
             <a:fld id="{691E08CE-871E-42A1-882B-8194E9FA60B7}" type="datetimeFigureOut">
               <a:rPr kumimoji="1" lang="ja-JP" altLang="en-US" smtClean="0"/>
-              <a:t>2023/4/20</a:t>
+              <a:t>2024/6/28</a:t>
             </a:fld>
             <a:endParaRPr kumimoji="1" lang="ja-JP" altLang="en-US"/>
           </a:p>
@@ -755,7 +752,7 @@
           <a:p>
             <a:fld id="{691E08CE-871E-42A1-882B-8194E9FA60B7}" type="datetimeFigureOut">
               <a:rPr kumimoji="1" lang="ja-JP" altLang="en-US" smtClean="0"/>
-              <a:t>2023/4/20</a:t>
+              <a:t>2024/6/28</a:t>
             </a:fld>
             <a:endParaRPr kumimoji="1" lang="ja-JP" altLang="en-US"/>
           </a:p>
@@ -985,7 +982,7 @@
           <a:p>
             <a:fld id="{691E08CE-871E-42A1-882B-8194E9FA60B7}" type="datetimeFigureOut">
               <a:rPr kumimoji="1" lang="ja-JP" altLang="en-US" smtClean="0"/>
-              <a:t>2023/4/20</a:t>
+              <a:t>2024/6/28</a:t>
             </a:fld>
             <a:endParaRPr kumimoji="1" lang="ja-JP" altLang="en-US"/>
           </a:p>
@@ -1260,7 +1257,7 @@
           <a:p>
             <a:fld id="{691E08CE-871E-42A1-882B-8194E9FA60B7}" type="datetimeFigureOut">
               <a:rPr kumimoji="1" lang="ja-JP" altLang="en-US" smtClean="0"/>
-              <a:t>2023/4/20</a:t>
+              <a:t>2024/6/28</a:t>
             </a:fld>
             <a:endParaRPr kumimoji="1" lang="ja-JP" altLang="en-US"/>
           </a:p>
@@ -1589,7 +1586,7 @@
           <a:p>
             <a:fld id="{691E08CE-871E-42A1-882B-8194E9FA60B7}" type="datetimeFigureOut">
               <a:rPr kumimoji="1" lang="ja-JP" altLang="en-US" smtClean="0"/>
-              <a:t>2023/4/20</a:t>
+              <a:t>2024/6/28</a:t>
             </a:fld>
             <a:endParaRPr kumimoji="1" lang="ja-JP" altLang="en-US"/>
           </a:p>
@@ -2065,7 +2062,7 @@
           <a:p>
             <a:fld id="{691E08CE-871E-42A1-882B-8194E9FA60B7}" type="datetimeFigureOut">
               <a:rPr kumimoji="1" lang="ja-JP" altLang="en-US" smtClean="0"/>
-              <a:t>2023/4/20</a:t>
+              <a:t>2024/6/28</a:t>
             </a:fld>
             <a:endParaRPr kumimoji="1" lang="ja-JP" altLang="en-US"/>
           </a:p>
@@ -2206,7 +2203,7 @@
           <a:p>
             <a:fld id="{691E08CE-871E-42A1-882B-8194E9FA60B7}" type="datetimeFigureOut">
               <a:rPr kumimoji="1" lang="ja-JP" altLang="en-US" smtClean="0"/>
-              <a:t>2023/4/20</a:t>
+              <a:t>2024/6/28</a:t>
             </a:fld>
             <a:endParaRPr kumimoji="1" lang="ja-JP" altLang="en-US"/>
           </a:p>
@@ -2319,7 +2316,7 @@
           <a:p>
             <a:fld id="{691E08CE-871E-42A1-882B-8194E9FA60B7}" type="datetimeFigureOut">
               <a:rPr kumimoji="1" lang="ja-JP" altLang="en-US" smtClean="0"/>
-              <a:t>2023/4/20</a:t>
+              <a:t>2024/6/28</a:t>
             </a:fld>
             <a:endParaRPr kumimoji="1" lang="ja-JP" altLang="en-US"/>
           </a:p>
@@ -2662,7 +2659,7 @@
           <a:p>
             <a:fld id="{691E08CE-871E-42A1-882B-8194E9FA60B7}" type="datetimeFigureOut">
               <a:rPr kumimoji="1" lang="ja-JP" altLang="en-US" smtClean="0"/>
-              <a:t>2023/4/20</a:t>
+              <a:t>2024/6/28</a:t>
             </a:fld>
             <a:endParaRPr kumimoji="1" lang="ja-JP" altLang="en-US"/>
           </a:p>
@@ -2950,7 +2947,7 @@
           <a:p>
             <a:fld id="{691E08CE-871E-42A1-882B-8194E9FA60B7}" type="datetimeFigureOut">
               <a:rPr kumimoji="1" lang="ja-JP" altLang="en-US" smtClean="0"/>
-              <a:t>2023/4/20</a:t>
+              <a:t>2024/6/28</a:t>
             </a:fld>
             <a:endParaRPr kumimoji="1" lang="ja-JP" altLang="en-US"/>
           </a:p>
@@ -3223,7 +3220,7 @@
           <a:p>
             <a:fld id="{691E08CE-871E-42A1-882B-8194E9FA60B7}" type="datetimeFigureOut">
               <a:rPr kumimoji="1" lang="ja-JP" altLang="en-US" smtClean="0"/>
-              <a:t>2023/4/20</a:t>
+              <a:t>2024/6/28</a:t>
             </a:fld>
             <a:endParaRPr kumimoji="1" lang="ja-JP" altLang="en-US"/>
           </a:p>
@@ -4543,8 +4540,8 @@
         </p:nvSpPr>
         <p:spPr>
           <a:xfrm>
-            <a:off x="7949853" y="4917720"/>
-            <a:ext cx="4580586" cy="3880560"/>
+            <a:off x="3154829" y="4254758"/>
+            <a:ext cx="6050296" cy="2232913"/>
           </a:xfrm>
           <a:prstGeom prst="rect">
             <a:avLst/>
@@ -4782,86 +4779,41 @@
             </a:lvl9pPr>
           </a:lstStyle>
           <a:p>
-            <a:pPr marL="0" indent="0">
+            <a:pPr marL="0" indent="0" algn="ctr">
               <a:buNone/>
             </a:pPr>
             <a:r>
-              <a:rPr lang="ja-JP" altLang="en-US" sz="3200" b="1" dirty="0"/>
-              <a:t>・</a:t>
-            </a:r>
-            <a:r>
-              <a:rPr lang="ja-JP" altLang="en-US" sz="3200" b="1" u="sng" dirty="0"/>
+              <a:rPr lang="ja-JP" altLang="en-US" sz="4000" b="1" u="sng" dirty="0"/>
               <a:t>教科書の範囲</a:t>
             </a:r>
-            <a:endParaRPr lang="en-US" altLang="ja-JP" sz="3200" b="1" u="sng" dirty="0"/>
-          </a:p>
-          <a:p>
-            <a:pPr marL="0" indent="0">
+            <a:endParaRPr lang="en-US" altLang="ja-JP" sz="4000" b="1" u="sng" dirty="0"/>
+          </a:p>
+          <a:p>
+            <a:pPr marL="0" indent="0" algn="ctr">
               <a:buFont typeface="Wingdings 3" charset="2"/>
               <a:buNone/>
             </a:pPr>
             <a:r>
-              <a:rPr lang="ja-JP" altLang="en-US" sz="2800" dirty="0"/>
-              <a:t>・</a:t>
-            </a:r>
-            <a:r>
-              <a:rPr lang="en-US" altLang="ja-JP" sz="2800" dirty="0"/>
+              <a:rPr lang="en-US" altLang="ja-JP" sz="3600" dirty="0"/>
               <a:t>Unity</a:t>
             </a:r>
             <a:r>
-              <a:rPr lang="ja-JP" altLang="en-US" sz="2800" dirty="0"/>
-              <a:t>２</a:t>
-            </a:r>
-            <a:r>
-              <a:rPr lang="en-US" altLang="ja-JP" sz="2800" dirty="0"/>
-              <a:t>D</a:t>
-            </a:r>
-            <a:r>
-              <a:rPr lang="ja-JP" altLang="en-US" sz="2800" dirty="0"/>
-              <a:t>：</a:t>
-            </a:r>
-            <a:r>
-              <a:rPr lang="en-US" altLang="ja-JP" sz="2800" dirty="0"/>
-              <a:t>38~74p</a:t>
-            </a:r>
-          </a:p>
-          <a:p>
-            <a:pPr marL="0" indent="0">
-              <a:buNone/>
-            </a:pPr>
-            <a:r>
-              <a:rPr lang="ja-JP" altLang="en-US" sz="2800" dirty="0"/>
-              <a:t>・</a:t>
-            </a:r>
-            <a:r>
-              <a:rPr lang="en-US" altLang="ja-JP" sz="2800" dirty="0"/>
-              <a:t>Unity</a:t>
-            </a:r>
-            <a:r>
-              <a:rPr lang="ja-JP" altLang="en-US" sz="2800" dirty="0"/>
-              <a:t>３</a:t>
-            </a:r>
-            <a:r>
-              <a:rPr lang="en-US" altLang="ja-JP" sz="2800" dirty="0"/>
-              <a:t>D</a:t>
-            </a:r>
-            <a:r>
-              <a:rPr lang="ja-JP" altLang="en-US" sz="2800" dirty="0"/>
-              <a:t>：</a:t>
-            </a:r>
-            <a:r>
-              <a:rPr lang="en-US" altLang="ja-JP" sz="2800" dirty="0"/>
-              <a:t>43~80p</a:t>
-            </a:r>
-          </a:p>
-          <a:p>
-            <a:endParaRPr lang="en-US" altLang="ja-JP" sz="3200" dirty="0"/>
-          </a:p>
-          <a:p>
-            <a:endParaRPr lang="en-US" altLang="ja-JP" sz="3200" dirty="0"/>
-          </a:p>
-          <a:p>
-            <a:endParaRPr lang="ja-JP" altLang="en-US" sz="3200" dirty="0"/>
+              <a:rPr lang="ja-JP" altLang="en-US" sz="3600" dirty="0"/>
+              <a:t>の教科書：</a:t>
+            </a:r>
+            <a:r>
+              <a:rPr lang="en-US" altLang="ja-JP" sz="3600" dirty="0"/>
+              <a:t>1p~320p</a:t>
+            </a:r>
+            <a:endParaRPr lang="en-US" altLang="ja-JP" sz="4000" dirty="0"/>
+          </a:p>
+          <a:p>
+            <a:pPr algn="ctr"/>
+            <a:endParaRPr lang="en-US" altLang="ja-JP" sz="4000" dirty="0"/>
+          </a:p>
+          <a:p>
+            <a:pPr algn="ctr"/>
+            <a:endParaRPr lang="ja-JP" altLang="en-US" sz="4000" dirty="0"/>
           </a:p>
         </p:txBody>
       </p:sp>
@@ -4879,8 +4831,8 @@
         </p:nvSpPr>
         <p:spPr>
           <a:xfrm>
-            <a:off x="2618125" y="1870609"/>
-            <a:ext cx="6955750" cy="769441"/>
+            <a:off x="2335996" y="1331501"/>
+            <a:ext cx="7520007" cy="769441"/>
           </a:xfrm>
           <a:prstGeom prst="rect">
             <a:avLst/>
@@ -4908,7 +4860,7 @@
           <a:p>
             <a:r>
               <a:rPr lang="ja-JP" altLang="en-US" sz="4400" dirty="0"/>
-              <a:t>今回は苦しんで貰います！</a:t>
+              <a:t>今回から苦しんで貰います！</a:t>
             </a:r>
             <a:endParaRPr kumimoji="1" lang="ja-JP" altLang="en-US" dirty="0"/>
           </a:p>
@@ -4928,7 +4880,7 @@
         </p:nvSpPr>
         <p:spPr>
           <a:xfrm>
-            <a:off x="853219" y="3130621"/>
+            <a:off x="937195" y="2575626"/>
             <a:ext cx="10485564" cy="1384995"/>
           </a:xfrm>
           <a:prstGeom prst="rect">
@@ -5011,10 +4963,10 @@
       </p:grpSpPr>
       <p:pic>
         <p:nvPicPr>
-          <p:cNvPr id="8" name="図 7">
-            <a:extLst>
-              <a:ext uri="{FF2B5EF4-FFF2-40B4-BE49-F238E27FC236}">
-                <a16:creationId xmlns:a16="http://schemas.microsoft.com/office/drawing/2014/main" id="{3FE450E9-4586-4B48-972D-14C9C040F256}"/>
+          <p:cNvPr id="15" name="図 14">
+            <a:extLst>
+              <a:ext uri="{FF2B5EF4-FFF2-40B4-BE49-F238E27FC236}">
+                <a16:creationId xmlns:a16="http://schemas.microsoft.com/office/drawing/2014/main" id="{9FD2C736-3AF5-4B4E-8A54-DE65D4C3BB67}"/>
               </a:ext>
             </a:extLst>
           </p:cNvPr>
@@ -5077,10 +5029,10 @@
       </p:pic>
       <p:sp>
         <p:nvSpPr>
-          <p:cNvPr id="14" name="タイトル 1">
-            <a:extLst>
-              <a:ext uri="{FF2B5EF4-FFF2-40B4-BE49-F238E27FC236}">
-                <a16:creationId xmlns:a16="http://schemas.microsoft.com/office/drawing/2014/main" id="{455EA0C2-4FB9-43BC-8B7F-C436C1DEF47F}"/>
+          <p:cNvPr id="8" name="タイトル 1">
+            <a:extLst>
+              <a:ext uri="{FF2B5EF4-FFF2-40B4-BE49-F238E27FC236}">
+                <a16:creationId xmlns:a16="http://schemas.microsoft.com/office/drawing/2014/main" id="{7306D0C2-BB07-4A29-9BA7-33920822824D}"/>
               </a:ext>
             </a:extLst>
           </p:cNvPr>
@@ -5091,135 +5043,41 @@
         </p:nvSpPr>
         <p:spPr>
           <a:xfrm>
-            <a:off x="111512" y="196418"/>
-            <a:ext cx="8596668" cy="660400"/>
+            <a:off x="294598" y="-5492"/>
+            <a:ext cx="10515600" cy="1230183"/>
           </a:xfrm>
           <a:prstGeom prst="rect">
             <a:avLst/>
           </a:prstGeom>
         </p:spPr>
         <p:txBody>
-          <a:bodyPr vert="horz" lIns="91440" tIns="45720" rIns="91440" bIns="45720" rtlCol="0" anchor="t">
+          <a:bodyPr vert="horz" lIns="91440" tIns="45720" rIns="91440" bIns="45720" rtlCol="0" anchor="ctr">
             <a:normAutofit/>
           </a:bodyPr>
           <a:lstStyle>
-            <a:lvl1pPr algn="l" defTabSz="457200" rtl="0" eaLnBrk="1" latinLnBrk="0" hangingPunct="1">
+            <a:lvl1pPr algn="l" defTabSz="914400" rtl="0" eaLnBrk="1" latinLnBrk="0" hangingPunct="1">
+              <a:lnSpc>
+                <a:spcPct val="90000"/>
+              </a:lnSpc>
               <a:spcBef>
                 <a:spcPct val="0"/>
               </a:spcBef>
               <a:buNone/>
-              <a:defRPr kumimoji="1" sz="3600" kern="1200">
-                <a:solidFill>
-                  <a:schemeClr val="accent1"/>
+              <a:defRPr kumimoji="1" sz="4400" kern="1200">
+                <a:solidFill>
+                  <a:schemeClr val="tx1"/>
                 </a:solidFill>
                 <a:latin typeface="+mj-lt"/>
                 <a:ea typeface="+mj-ea"/>
                 <a:cs typeface="+mj-cs"/>
               </a:defRPr>
             </a:lvl1pPr>
-            <a:lvl2pPr eaLnBrk="1" hangingPunct="1">
-              <a:defRPr kumimoji="1">
-                <a:solidFill>
-                  <a:schemeClr val="tx2"/>
-                </a:solidFill>
-              </a:defRPr>
-            </a:lvl2pPr>
-            <a:lvl3pPr eaLnBrk="1" hangingPunct="1">
-              <a:defRPr kumimoji="1">
-                <a:solidFill>
-                  <a:schemeClr val="tx2"/>
-                </a:solidFill>
-              </a:defRPr>
-            </a:lvl3pPr>
-            <a:lvl4pPr eaLnBrk="1" hangingPunct="1">
-              <a:defRPr kumimoji="1">
-                <a:solidFill>
-                  <a:schemeClr val="tx2"/>
-                </a:solidFill>
-              </a:defRPr>
-            </a:lvl4pPr>
-            <a:lvl5pPr eaLnBrk="1" hangingPunct="1">
-              <a:defRPr kumimoji="1">
-                <a:solidFill>
-                  <a:schemeClr val="tx2"/>
-                </a:solidFill>
-              </a:defRPr>
-            </a:lvl5pPr>
-            <a:lvl6pPr eaLnBrk="1" hangingPunct="1">
-              <a:defRPr kumimoji="1">
-                <a:solidFill>
-                  <a:schemeClr val="tx2"/>
-                </a:solidFill>
-              </a:defRPr>
-            </a:lvl6pPr>
-            <a:lvl7pPr eaLnBrk="1" hangingPunct="1">
-              <a:defRPr kumimoji="1">
-                <a:solidFill>
-                  <a:schemeClr val="tx2"/>
-                </a:solidFill>
-              </a:defRPr>
-            </a:lvl7pPr>
-            <a:lvl8pPr eaLnBrk="1" hangingPunct="1">
-              <a:defRPr kumimoji="1">
-                <a:solidFill>
-                  <a:schemeClr val="tx2"/>
-                </a:solidFill>
-              </a:defRPr>
-            </a:lvl8pPr>
-            <a:lvl9pPr eaLnBrk="1" hangingPunct="1">
-              <a:defRPr kumimoji="1">
-                <a:solidFill>
-                  <a:schemeClr val="tx2"/>
-                </a:solidFill>
-              </a:defRPr>
-            </a:lvl9pPr>
           </a:lstStyle>
           <a:p>
             <a:r>
-              <a:rPr lang="ja-JP" altLang="en-US" dirty="0">
-                <a:solidFill>
-                  <a:schemeClr val="tx1"/>
-                </a:solidFill>
-              </a:rPr>
-              <a:t>苦しんで覚える</a:t>
-            </a:r>
-            <a:r>
-              <a:rPr lang="en-US" altLang="ja-JP" dirty="0" err="1">
-                <a:solidFill>
-                  <a:schemeClr val="tx1"/>
-                </a:solidFill>
-              </a:rPr>
-              <a:t>UnityC</a:t>
-            </a:r>
-            <a:r>
-              <a:rPr lang="en-US" altLang="ja-JP" dirty="0">
-                <a:solidFill>
-                  <a:schemeClr val="tx1"/>
-                </a:solidFill>
-              </a:rPr>
-              <a:t>#</a:t>
-            </a:r>
-            <a:r>
-              <a:rPr lang="ja-JP" altLang="en-US" dirty="0">
-                <a:solidFill>
-                  <a:schemeClr val="tx1"/>
-                </a:solidFill>
-              </a:rPr>
-              <a:t>　－　</a:t>
-            </a:r>
-            <a:r>
-              <a:rPr lang="en-US" altLang="ja-JP" dirty="0">
-                <a:solidFill>
-                  <a:schemeClr val="tx1"/>
-                </a:solidFill>
-              </a:rPr>
-              <a:t>Unity2D</a:t>
-            </a:r>
-            <a:endParaRPr lang="ja-JP" altLang="en-US" dirty="0">
-              <a:solidFill>
-                <a:schemeClr val="tx1"/>
-              </a:solidFill>
-            </a:endParaRPr>
+              <a:rPr lang="ja-JP" altLang="en-US" b="1" dirty="0"/>
+              <a:t>まとめ</a:t>
+            </a:r>
           </a:p>
         </p:txBody>
       </p:sp>
@@ -5228,7 +5086,7 @@
           <p:cNvPr id="6" name="コンテンツ プレースホルダー 2">
             <a:extLst>
               <a:ext uri="{FF2B5EF4-FFF2-40B4-BE49-F238E27FC236}">
-                <a16:creationId xmlns:a16="http://schemas.microsoft.com/office/drawing/2014/main" id="{881F923D-AC98-4112-B053-3A935E64C991}"/>
+                <a16:creationId xmlns:a16="http://schemas.microsoft.com/office/drawing/2014/main" id="{9833EB74-73B2-43EE-B1C0-CCF48283D1C4}"/>
               </a:ext>
             </a:extLst>
           </p:cNvPr>
@@ -5239,8 +5097,8 @@
         </p:nvSpPr>
         <p:spPr>
           <a:xfrm>
-            <a:off x="2982259" y="1633766"/>
-            <a:ext cx="6227482" cy="2259571"/>
+            <a:off x="7519048" y="889722"/>
+            <a:ext cx="4483724" cy="1710604"/>
           </a:xfrm>
           <a:prstGeom prst="rect">
             <a:avLst/>
@@ -5478,66 +5336,149 @@
             </a:lvl9pPr>
           </a:lstStyle>
           <a:p>
-            <a:pPr marL="0" indent="0" algn="ctr">
+            <a:r>
+              <a:rPr lang="ja-JP" altLang="en-US" sz="3200" b="1" u="sng" dirty="0"/>
+              <a:t>今回の範囲</a:t>
+            </a:r>
+            <a:endParaRPr lang="en-US" altLang="ja-JP" sz="3200" b="1" u="sng" dirty="0"/>
+          </a:p>
+          <a:p>
+            <a:pPr marL="0" indent="0">
+              <a:buFont typeface="Wingdings 3" charset="2"/>
               <a:buNone/>
             </a:pPr>
             <a:r>
-              <a:rPr lang="ja-JP" altLang="en-US" sz="4000" b="1" dirty="0"/>
+              <a:rPr lang="ja-JP" altLang="en-US" sz="2800" dirty="0"/>
               <a:t>・</a:t>
             </a:r>
             <a:r>
-              <a:rPr lang="ja-JP" altLang="en-US" sz="4000" b="1" u="sng" dirty="0"/>
-              <a:t>教科書の範囲</a:t>
-            </a:r>
-            <a:endParaRPr lang="en-US" altLang="ja-JP" sz="4000" b="1" u="sng" dirty="0"/>
-          </a:p>
-          <a:p>
-            <a:pPr marL="0" indent="0" algn="ctr">
+              <a:rPr lang="en-US" altLang="ja-JP" sz="2800" dirty="0"/>
+              <a:t>Unity</a:t>
+            </a:r>
+            <a:r>
+              <a:rPr lang="ja-JP" altLang="en-US" sz="2800" dirty="0"/>
+              <a:t>の教科書の</a:t>
+            </a:r>
+            <a:r>
+              <a:rPr lang="ja-JP" altLang="en-US" sz="3200" dirty="0"/>
+              <a:t>２</a:t>
+            </a:r>
+            <a:r>
+              <a:rPr lang="en-US" altLang="ja-JP" sz="3200" dirty="0"/>
+              <a:t>D</a:t>
+            </a:r>
+            <a:r>
+              <a:rPr lang="ja-JP" altLang="en-US" sz="3200" dirty="0"/>
+              <a:t>部</a:t>
+            </a:r>
+            <a:endParaRPr lang="en-US" altLang="ja-JP" sz="3200" dirty="0"/>
+          </a:p>
+          <a:p>
+            <a:endParaRPr lang="en-US" altLang="ja-JP" sz="3200" dirty="0"/>
+          </a:p>
+          <a:p>
+            <a:endParaRPr lang="ja-JP" altLang="en-US" sz="3200" dirty="0"/>
+          </a:p>
+        </p:txBody>
+      </p:sp>
+      <p:sp>
+        <p:nvSpPr>
+          <p:cNvPr id="7" name="コンテンツ プレースホルダー 2">
+            <a:extLst>
+              <a:ext uri="{FF2B5EF4-FFF2-40B4-BE49-F238E27FC236}">
+                <a16:creationId xmlns:a16="http://schemas.microsoft.com/office/drawing/2014/main" id="{5419A3E8-E979-4593-BC62-36C598E5375A}"/>
+              </a:ext>
+            </a:extLst>
+          </p:cNvPr>
+          <p:cNvSpPr>
+            <a:spLocks noGrp="1"/>
+          </p:cNvSpPr>
+          <p:nvPr>
+            <p:ph idx="1"/>
+          </p:nvPr>
+        </p:nvSpPr>
+        <p:spPr>
+          <a:xfrm>
+            <a:off x="7519048" y="2813908"/>
+            <a:ext cx="4483724" cy="3501167"/>
+          </a:xfrm>
+        </p:spPr>
+        <p:txBody>
+          <a:bodyPr>
+            <a:normAutofit/>
+          </a:bodyPr>
+          <a:lstStyle/>
+          <a:p>
+            <a:r>
+              <a:rPr kumimoji="1" lang="ja-JP" altLang="en-US" sz="3200" b="1" u="sng" dirty="0"/>
+              <a:t>アジェンダ</a:t>
+            </a:r>
+            <a:endParaRPr kumimoji="1" lang="en-US" altLang="ja-JP" sz="3200" b="1" u="sng" dirty="0"/>
+          </a:p>
+          <a:p>
+            <a:pPr marL="0" indent="0">
               <a:buNone/>
             </a:pPr>
             <a:r>
+              <a:rPr lang="ja-JP" altLang="en-US" sz="2800" dirty="0"/>
+              <a:t>・</a:t>
+            </a:r>
+            <a:r>
               <a:rPr lang="en-US" altLang="ja-JP" sz="2800" dirty="0"/>
-              <a:t>	</a:t>
-            </a:r>
-            <a:r>
-              <a:rPr lang="en-US" altLang="ja-JP" sz="4700" dirty="0"/>
               <a:t>Unity</a:t>
             </a:r>
             <a:r>
-              <a:rPr lang="ja-JP" altLang="en-US" sz="4700" dirty="0"/>
-              <a:t>２</a:t>
-            </a:r>
-            <a:r>
-              <a:rPr lang="en-US" altLang="ja-JP" sz="4700" dirty="0"/>
-              <a:t>D</a:t>
-            </a:r>
-            <a:r>
-              <a:rPr lang="ja-JP" altLang="en-US" sz="4700" dirty="0"/>
-              <a:t>：</a:t>
-            </a:r>
-            <a:r>
-              <a:rPr lang="en-US" altLang="ja-JP" sz="4700" dirty="0"/>
-              <a:t>38~74p</a:t>
-            </a:r>
-          </a:p>
-          <a:p>
-            <a:pPr marL="0" indent="0" algn="ctr">
+              <a:rPr lang="ja-JP" altLang="en-US" dirty="0"/>
+              <a:t>と</a:t>
+            </a:r>
+            <a:r>
+              <a:rPr lang="en-US" altLang="ja-JP" dirty="0"/>
+              <a:t>C#</a:t>
+            </a:r>
+          </a:p>
+          <a:p>
+            <a:pPr marL="0" indent="0">
               <a:buNone/>
             </a:pPr>
-            <a:endParaRPr lang="en-US" altLang="ja-JP" sz="3200" dirty="0"/>
-          </a:p>
-          <a:p>
-            <a:pPr algn="ctr"/>
-            <a:endParaRPr lang="ja-JP" altLang="en-US" sz="3200" dirty="0"/>
-          </a:p>
-        </p:txBody>
-      </p:sp>
-      <p:sp>
-        <p:nvSpPr>
-          <p:cNvPr id="3" name="テキスト ボックス 2">
-            <a:extLst>
-              <a:ext uri="{FF2B5EF4-FFF2-40B4-BE49-F238E27FC236}">
-                <a16:creationId xmlns:a16="http://schemas.microsoft.com/office/drawing/2014/main" id="{B41C1C11-AA1D-4211-817F-60BE8665658C}"/>
+            <a:r>
+              <a:rPr lang="ja-JP" altLang="en-US" dirty="0"/>
+              <a:t>・</a:t>
+            </a:r>
+            <a:r>
+              <a:rPr lang="en-US" altLang="ja-JP" dirty="0" err="1"/>
+              <a:t>Debug.Log</a:t>
+            </a:r>
+            <a:r>
+              <a:rPr lang="en-US" altLang="ja-JP" dirty="0"/>
+              <a:t>()</a:t>
+            </a:r>
+            <a:r>
+              <a:rPr lang="ja-JP" altLang="en-US" dirty="0"/>
+              <a:t>を知る</a:t>
+            </a:r>
+            <a:endParaRPr lang="en-US" altLang="ja-JP" dirty="0"/>
+          </a:p>
+          <a:p>
+            <a:pPr marL="0" indent="0">
+              <a:buNone/>
+            </a:pPr>
+            <a:r>
+              <a:rPr lang="ja-JP" altLang="en-US" dirty="0"/>
+              <a:t>・今日は苦しんで貰います</a:t>
+            </a:r>
+            <a:endParaRPr kumimoji="1" lang="en-US" altLang="ja-JP" sz="3200" dirty="0"/>
+          </a:p>
+          <a:p>
+            <a:endParaRPr kumimoji="1" lang="ja-JP" altLang="en-US" sz="3200" dirty="0"/>
+          </a:p>
+        </p:txBody>
+      </p:sp>
+      <p:sp>
+        <p:nvSpPr>
+          <p:cNvPr id="2" name="テキスト ボックス 1">
+            <a:extLst>
+              <a:ext uri="{FF2B5EF4-FFF2-40B4-BE49-F238E27FC236}">
+                <a16:creationId xmlns:a16="http://schemas.microsoft.com/office/drawing/2014/main" id="{9D99965B-D35B-4570-ABB2-6DD60619454E}"/>
               </a:ext>
             </a:extLst>
           </p:cNvPr>
@@ -5546,8 +5487,8 @@
         </p:nvSpPr>
         <p:spPr>
           <a:xfrm>
-            <a:off x="2064042" y="3646119"/>
-            <a:ext cx="8802410" cy="954107"/>
+            <a:off x="642938" y="1371600"/>
+            <a:ext cx="5125121" cy="3970318"/>
           </a:xfrm>
           <a:prstGeom prst="rect">
             <a:avLst/>
@@ -5560,936 +5501,39 @@
           </a:bodyPr>
           <a:lstStyle/>
           <a:p>
-            <a:pPr algn="ctr"/>
-            <a:r>
-              <a:rPr kumimoji="1" lang="ja-JP" altLang="en-US" sz="2800" dirty="0"/>
-              <a:t>分からなくて良いので、</a:t>
-            </a:r>
-            <a:endParaRPr kumimoji="1" lang="en-US" altLang="ja-JP" sz="2800" dirty="0"/>
-          </a:p>
-          <a:p>
-            <a:r>
-              <a:rPr kumimoji="1" lang="ja-JP" altLang="en-US" sz="2800" dirty="0"/>
-              <a:t>教科書に書いてある通りにどんどん進めていきます！</a:t>
-            </a:r>
-          </a:p>
-        </p:txBody>
-      </p:sp>
-    </p:spTree>
-    <p:extLst>
-      <p:ext uri="{BB962C8B-B14F-4D97-AF65-F5344CB8AC3E}">
-        <p14:creationId xmlns:p14="http://schemas.microsoft.com/office/powerpoint/2010/main" val="431216953"/>
-      </p:ext>
-    </p:extLst>
-  </p:cSld>
-  <p:clrMapOvr>
-    <a:masterClrMapping/>
-  </p:clrMapOvr>
-</p:sld>
-</file>
-
-<file path=ppt/slides/slide13.xml><?xml version="1.0" encoding="utf-8"?>
-<p:sld xmlns:a="http://schemas.openxmlformats.org/drawingml/2006/main" xmlns:r="http://schemas.openxmlformats.org/officeDocument/2006/relationships" xmlns:p="http://schemas.openxmlformats.org/presentationml/2006/main">
-  <p:cSld>
-    <p:spTree>
-      <p:nvGrpSpPr>
-        <p:cNvPr id="1" name=""/>
-        <p:cNvGrpSpPr/>
-        <p:nvPr/>
-      </p:nvGrpSpPr>
-      <p:grpSpPr>
-        <a:xfrm>
-          <a:off x="0" y="0"/>
-          <a:ext cx="0" cy="0"/>
-          <a:chOff x="0" y="0"/>
-          <a:chExt cx="0" cy="0"/>
-        </a:xfrm>
-      </p:grpSpPr>
-      <p:pic>
-        <p:nvPicPr>
-          <p:cNvPr id="8" name="図 7">
-            <a:extLst>
-              <a:ext uri="{FF2B5EF4-FFF2-40B4-BE49-F238E27FC236}">
-                <a16:creationId xmlns:a16="http://schemas.microsoft.com/office/drawing/2014/main" id="{3FE450E9-4586-4B48-972D-14C9C040F256}"/>
-              </a:ext>
-            </a:extLst>
-          </p:cNvPr>
-          <p:cNvPicPr>
-            <a:picLocks noChangeAspect="1"/>
-          </p:cNvPicPr>
-          <p:nvPr/>
-        </p:nvPicPr>
-        <p:blipFill>
-          <a:blip r:embed="rId2">
-            <a:extLst>
-              <a:ext uri="{28A0092B-C50C-407E-A947-70E740481C1C}">
-                <a14:useLocalDpi xmlns:a14="http://schemas.microsoft.com/office/drawing/2010/main" val="0"/>
-              </a:ext>
-            </a:extLst>
-          </a:blip>
-          <a:stretch>
-            <a:fillRect/>
-          </a:stretch>
-        </p:blipFill>
-        <p:spPr>
-          <a:xfrm>
-            <a:off x="9539909" y="101484"/>
-            <a:ext cx="2540579" cy="508116"/>
-          </a:xfrm>
-          <a:prstGeom prst="snip2DiagRect">
-            <a:avLst/>
-          </a:prstGeom>
-          <a:solidFill>
-            <a:srgbClr val="FFFFFF">
-              <a:shade val="85000"/>
-            </a:srgbClr>
-          </a:solidFill>
-          <a:ln w="88900" cap="sq">
-            <a:solidFill>
-              <a:srgbClr val="FFFFFF"/>
-            </a:solidFill>
-            <a:miter lim="800000"/>
-          </a:ln>
-          <a:effectLst>
-            <a:outerShdw blurRad="88900" algn="tl" rotWithShape="0">
-              <a:srgbClr val="000000">
-                <a:alpha val="45000"/>
-              </a:srgbClr>
-            </a:outerShdw>
-          </a:effectLst>
-          <a:scene3d>
-            <a:camera prst="orthographicFront"/>
-            <a:lightRig rig="twoPt" dir="t">
-              <a:rot lat="0" lon="0" rev="7200000"/>
-            </a:lightRig>
-          </a:scene3d>
-          <a:sp3d>
-            <a:bevelT w="25400" h="19050"/>
-            <a:contourClr>
-              <a:srgbClr val="FFFFFF"/>
-            </a:contourClr>
-          </a:sp3d>
-        </p:spPr>
-      </p:pic>
-      <p:sp>
-        <p:nvSpPr>
-          <p:cNvPr id="14" name="タイトル 1">
-            <a:extLst>
-              <a:ext uri="{FF2B5EF4-FFF2-40B4-BE49-F238E27FC236}">
-                <a16:creationId xmlns:a16="http://schemas.microsoft.com/office/drawing/2014/main" id="{455EA0C2-4FB9-43BC-8B7F-C436C1DEF47F}"/>
-              </a:ext>
-            </a:extLst>
-          </p:cNvPr>
-          <p:cNvSpPr txBox="1">
-            <a:spLocks/>
-          </p:cNvSpPr>
-          <p:nvPr/>
-        </p:nvSpPr>
-        <p:spPr>
-          <a:xfrm>
-            <a:off x="111512" y="196418"/>
-            <a:ext cx="8596668" cy="660400"/>
-          </a:xfrm>
-          <a:prstGeom prst="rect">
-            <a:avLst/>
-          </a:prstGeom>
-        </p:spPr>
-        <p:txBody>
-          <a:bodyPr vert="horz" lIns="91440" tIns="45720" rIns="91440" bIns="45720" rtlCol="0" anchor="t">
-            <a:normAutofit/>
-          </a:bodyPr>
-          <a:lstStyle>
-            <a:lvl1pPr algn="l" defTabSz="457200" rtl="0" eaLnBrk="1" latinLnBrk="0" hangingPunct="1">
-              <a:spcBef>
-                <a:spcPct val="0"/>
-              </a:spcBef>
-              <a:buNone/>
-              <a:defRPr kumimoji="1" sz="3600" kern="1200">
-                <a:solidFill>
-                  <a:schemeClr val="accent1"/>
-                </a:solidFill>
-                <a:latin typeface="+mj-lt"/>
-                <a:ea typeface="+mj-ea"/>
-                <a:cs typeface="+mj-cs"/>
-              </a:defRPr>
-            </a:lvl1pPr>
-            <a:lvl2pPr eaLnBrk="1" hangingPunct="1">
-              <a:defRPr kumimoji="1">
-                <a:solidFill>
-                  <a:schemeClr val="tx2"/>
-                </a:solidFill>
-              </a:defRPr>
-            </a:lvl2pPr>
-            <a:lvl3pPr eaLnBrk="1" hangingPunct="1">
-              <a:defRPr kumimoji="1">
-                <a:solidFill>
-                  <a:schemeClr val="tx2"/>
-                </a:solidFill>
-              </a:defRPr>
-            </a:lvl3pPr>
-            <a:lvl4pPr eaLnBrk="1" hangingPunct="1">
-              <a:defRPr kumimoji="1">
-                <a:solidFill>
-                  <a:schemeClr val="tx2"/>
-                </a:solidFill>
-              </a:defRPr>
-            </a:lvl4pPr>
-            <a:lvl5pPr eaLnBrk="1" hangingPunct="1">
-              <a:defRPr kumimoji="1">
-                <a:solidFill>
-                  <a:schemeClr val="tx2"/>
-                </a:solidFill>
-              </a:defRPr>
-            </a:lvl5pPr>
-            <a:lvl6pPr eaLnBrk="1" hangingPunct="1">
-              <a:defRPr kumimoji="1">
-                <a:solidFill>
-                  <a:schemeClr val="tx2"/>
-                </a:solidFill>
-              </a:defRPr>
-            </a:lvl6pPr>
-            <a:lvl7pPr eaLnBrk="1" hangingPunct="1">
-              <a:defRPr kumimoji="1">
-                <a:solidFill>
-                  <a:schemeClr val="tx2"/>
-                </a:solidFill>
-              </a:defRPr>
-            </a:lvl7pPr>
-            <a:lvl8pPr eaLnBrk="1" hangingPunct="1">
-              <a:defRPr kumimoji="1">
-                <a:solidFill>
-                  <a:schemeClr val="tx2"/>
-                </a:solidFill>
-              </a:defRPr>
-            </a:lvl8pPr>
-            <a:lvl9pPr eaLnBrk="1" hangingPunct="1">
-              <a:defRPr kumimoji="1">
-                <a:solidFill>
-                  <a:schemeClr val="tx2"/>
-                </a:solidFill>
-              </a:defRPr>
-            </a:lvl9pPr>
-          </a:lstStyle>
-          <a:p>
-            <a:r>
-              <a:rPr lang="ja-JP" altLang="en-US" dirty="0">
-                <a:solidFill>
-                  <a:schemeClr val="tx1"/>
-                </a:solidFill>
-              </a:rPr>
-              <a:t>苦しんで覚える</a:t>
-            </a:r>
-            <a:r>
-              <a:rPr lang="en-US" altLang="ja-JP" dirty="0" err="1">
-                <a:solidFill>
-                  <a:schemeClr val="tx1"/>
-                </a:solidFill>
-              </a:rPr>
-              <a:t>UnityC</a:t>
-            </a:r>
-            <a:r>
-              <a:rPr lang="en-US" altLang="ja-JP" dirty="0">
-                <a:solidFill>
-                  <a:schemeClr val="tx1"/>
-                </a:solidFill>
-              </a:rPr>
-              <a:t>#</a:t>
-            </a:r>
-            <a:r>
-              <a:rPr lang="ja-JP" altLang="en-US" dirty="0">
-                <a:solidFill>
-                  <a:schemeClr val="tx1"/>
-                </a:solidFill>
-              </a:rPr>
-              <a:t>　－　</a:t>
-            </a:r>
-            <a:r>
-              <a:rPr lang="en-US" altLang="ja-JP" dirty="0">
-                <a:solidFill>
-                  <a:schemeClr val="tx1"/>
-                </a:solidFill>
-              </a:rPr>
-              <a:t>Unity3D</a:t>
-            </a:r>
-            <a:endParaRPr lang="ja-JP" altLang="en-US" dirty="0">
-              <a:solidFill>
-                <a:schemeClr val="tx1"/>
-              </a:solidFill>
-            </a:endParaRPr>
-          </a:p>
-        </p:txBody>
-      </p:sp>
-      <p:sp>
-        <p:nvSpPr>
-          <p:cNvPr id="6" name="コンテンツ プレースホルダー 2">
-            <a:extLst>
-              <a:ext uri="{FF2B5EF4-FFF2-40B4-BE49-F238E27FC236}">
-                <a16:creationId xmlns:a16="http://schemas.microsoft.com/office/drawing/2014/main" id="{881F923D-AC98-4112-B053-3A935E64C991}"/>
-              </a:ext>
-            </a:extLst>
-          </p:cNvPr>
-          <p:cNvSpPr txBox="1">
-            <a:spLocks/>
-          </p:cNvSpPr>
-          <p:nvPr/>
-        </p:nvSpPr>
-        <p:spPr>
-          <a:xfrm>
-            <a:off x="3129014" y="1657674"/>
-            <a:ext cx="5933971" cy="2359841"/>
-          </a:xfrm>
-          <a:prstGeom prst="rect">
-            <a:avLst/>
-          </a:prstGeom>
-        </p:spPr>
-        <p:txBody>
-          <a:bodyPr vert="horz" lIns="91440" tIns="45720" rIns="91440" bIns="45720" rtlCol="0">
-            <a:normAutofit/>
-          </a:bodyPr>
-          <a:lstStyle>
-            <a:lvl1pPr marL="342900" indent="-342900" algn="l" defTabSz="457200" rtl="0" eaLnBrk="1" latinLnBrk="0" hangingPunct="1">
-              <a:spcBef>
-                <a:spcPts val="1000"/>
-              </a:spcBef>
-              <a:spcAft>
-                <a:spcPts val="0"/>
-              </a:spcAft>
-              <a:buClr>
-                <a:schemeClr val="accent1"/>
-              </a:buClr>
-              <a:buSzPct val="80000"/>
-              <a:buFont typeface="Wingdings 3" charset="2"/>
-              <a:buChar char=""/>
-              <a:defRPr kumimoji="1" sz="1800" kern="1200">
-                <a:solidFill>
-                  <a:schemeClr val="tx1">
-                    <a:lumMod val="75000"/>
-                    <a:lumOff val="25000"/>
-                  </a:schemeClr>
-                </a:solidFill>
-                <a:latin typeface="+mn-lt"/>
-                <a:ea typeface="+mn-ea"/>
-                <a:cs typeface="+mn-cs"/>
-              </a:defRPr>
-            </a:lvl1pPr>
-            <a:lvl2pPr marL="742950" indent="-285750" algn="l" defTabSz="457200" rtl="0" eaLnBrk="1" latinLnBrk="0" hangingPunct="1">
-              <a:spcBef>
-                <a:spcPts val="1000"/>
-              </a:spcBef>
-              <a:spcAft>
-                <a:spcPts val="0"/>
-              </a:spcAft>
-              <a:buClr>
-                <a:schemeClr val="accent1"/>
-              </a:buClr>
-              <a:buSzPct val="80000"/>
-              <a:buFont typeface="Wingdings 3" charset="2"/>
-              <a:buChar char=""/>
-              <a:defRPr kumimoji="1" sz="1600" kern="1200">
-                <a:solidFill>
-                  <a:schemeClr val="tx1">
-                    <a:lumMod val="75000"/>
-                    <a:lumOff val="25000"/>
-                  </a:schemeClr>
-                </a:solidFill>
-                <a:latin typeface="+mn-lt"/>
-                <a:ea typeface="+mn-ea"/>
-                <a:cs typeface="+mn-cs"/>
-              </a:defRPr>
-            </a:lvl2pPr>
-            <a:lvl3pPr marL="1143000" indent="-228600" algn="l" defTabSz="457200" rtl="0" eaLnBrk="1" latinLnBrk="0" hangingPunct="1">
-              <a:spcBef>
-                <a:spcPts val="1000"/>
-              </a:spcBef>
-              <a:spcAft>
-                <a:spcPts val="0"/>
-              </a:spcAft>
-              <a:buClr>
-                <a:schemeClr val="accent1"/>
-              </a:buClr>
-              <a:buSzPct val="80000"/>
-              <a:buFont typeface="Wingdings 3" charset="2"/>
-              <a:buChar char=""/>
-              <a:defRPr kumimoji="1" sz="1400" kern="1200">
-                <a:solidFill>
-                  <a:schemeClr val="tx1">
-                    <a:lumMod val="75000"/>
-                    <a:lumOff val="25000"/>
-                  </a:schemeClr>
-                </a:solidFill>
-                <a:latin typeface="+mn-lt"/>
-                <a:ea typeface="+mn-ea"/>
-                <a:cs typeface="+mn-cs"/>
-              </a:defRPr>
-            </a:lvl3pPr>
-            <a:lvl4pPr marL="1600200" indent="-228600" algn="l" defTabSz="457200" rtl="0" eaLnBrk="1" latinLnBrk="0" hangingPunct="1">
-              <a:spcBef>
-                <a:spcPts val="1000"/>
-              </a:spcBef>
-              <a:spcAft>
-                <a:spcPts val="0"/>
-              </a:spcAft>
-              <a:buClr>
-                <a:schemeClr val="accent1"/>
-              </a:buClr>
-              <a:buSzPct val="80000"/>
-              <a:buFont typeface="Wingdings 3" charset="2"/>
-              <a:buChar char=""/>
-              <a:defRPr kumimoji="1" sz="1200" kern="1200">
-                <a:solidFill>
-                  <a:schemeClr val="tx1">
-                    <a:lumMod val="75000"/>
-                    <a:lumOff val="25000"/>
-                  </a:schemeClr>
-                </a:solidFill>
-                <a:latin typeface="+mn-lt"/>
-                <a:ea typeface="+mn-ea"/>
-                <a:cs typeface="+mn-cs"/>
-              </a:defRPr>
-            </a:lvl4pPr>
-            <a:lvl5pPr marL="2057400" indent="-228600" algn="l" defTabSz="457200" rtl="0" eaLnBrk="1" latinLnBrk="0" hangingPunct="1">
-              <a:spcBef>
-                <a:spcPts val="1000"/>
-              </a:spcBef>
-              <a:spcAft>
-                <a:spcPts val="0"/>
-              </a:spcAft>
-              <a:buClr>
-                <a:schemeClr val="accent1"/>
-              </a:buClr>
-              <a:buSzPct val="80000"/>
-              <a:buFont typeface="Wingdings 3" charset="2"/>
-              <a:buChar char=""/>
-              <a:defRPr kumimoji="1" sz="1200" kern="1200">
-                <a:solidFill>
-                  <a:schemeClr val="tx1">
-                    <a:lumMod val="75000"/>
-                    <a:lumOff val="25000"/>
-                  </a:schemeClr>
-                </a:solidFill>
-                <a:latin typeface="+mn-lt"/>
-                <a:ea typeface="+mn-ea"/>
-                <a:cs typeface="+mn-cs"/>
-              </a:defRPr>
-            </a:lvl5pPr>
-            <a:lvl6pPr marL="2514600" indent="-228600" algn="l" defTabSz="457200" rtl="0" eaLnBrk="1" latinLnBrk="0" hangingPunct="1">
-              <a:spcBef>
-                <a:spcPts val="1000"/>
-              </a:spcBef>
-              <a:spcAft>
-                <a:spcPts val="0"/>
-              </a:spcAft>
-              <a:buClr>
-                <a:schemeClr val="accent1"/>
-              </a:buClr>
-              <a:buSzPct val="80000"/>
-              <a:buFont typeface="Wingdings 3" charset="2"/>
-              <a:buChar char=""/>
-              <a:defRPr kumimoji="1" sz="1200" kern="1200">
-                <a:solidFill>
-                  <a:schemeClr val="tx1">
-                    <a:lumMod val="75000"/>
-                    <a:lumOff val="25000"/>
-                  </a:schemeClr>
-                </a:solidFill>
-                <a:latin typeface="+mn-lt"/>
-                <a:ea typeface="+mn-ea"/>
-                <a:cs typeface="+mn-cs"/>
-              </a:defRPr>
-            </a:lvl6pPr>
-            <a:lvl7pPr marL="2971800" indent="-228600" algn="l" defTabSz="457200" rtl="0" eaLnBrk="1" latinLnBrk="0" hangingPunct="1">
-              <a:spcBef>
-                <a:spcPts val="1000"/>
-              </a:spcBef>
-              <a:spcAft>
-                <a:spcPts val="0"/>
-              </a:spcAft>
-              <a:buClr>
-                <a:schemeClr val="accent1"/>
-              </a:buClr>
-              <a:buSzPct val="80000"/>
-              <a:buFont typeface="Wingdings 3" charset="2"/>
-              <a:buChar char=""/>
-              <a:defRPr kumimoji="1" sz="1200" kern="1200">
-                <a:solidFill>
-                  <a:schemeClr val="tx1">
-                    <a:lumMod val="75000"/>
-                    <a:lumOff val="25000"/>
-                  </a:schemeClr>
-                </a:solidFill>
-                <a:latin typeface="+mn-lt"/>
-                <a:ea typeface="+mn-ea"/>
-                <a:cs typeface="+mn-cs"/>
-              </a:defRPr>
-            </a:lvl7pPr>
-            <a:lvl8pPr marL="3429000" indent="-228600" algn="l" defTabSz="457200" rtl="0" eaLnBrk="1" latinLnBrk="0" hangingPunct="1">
-              <a:spcBef>
-                <a:spcPts val="1000"/>
-              </a:spcBef>
-              <a:spcAft>
-                <a:spcPts val="0"/>
-              </a:spcAft>
-              <a:buClr>
-                <a:schemeClr val="accent1"/>
-              </a:buClr>
-              <a:buSzPct val="80000"/>
-              <a:buFont typeface="Wingdings 3" charset="2"/>
-              <a:buChar char=""/>
-              <a:defRPr kumimoji="1" sz="1200" kern="1200">
-                <a:solidFill>
-                  <a:schemeClr val="tx1">
-                    <a:lumMod val="75000"/>
-                    <a:lumOff val="25000"/>
-                  </a:schemeClr>
-                </a:solidFill>
-                <a:latin typeface="+mn-lt"/>
-                <a:ea typeface="+mn-ea"/>
-                <a:cs typeface="+mn-cs"/>
-              </a:defRPr>
-            </a:lvl8pPr>
-            <a:lvl9pPr marL="3886200" indent="-228600" algn="l" defTabSz="457200" rtl="0" eaLnBrk="1" latinLnBrk="0" hangingPunct="1">
-              <a:spcBef>
-                <a:spcPts val="1000"/>
-              </a:spcBef>
-              <a:spcAft>
-                <a:spcPts val="0"/>
-              </a:spcAft>
-              <a:buClr>
-                <a:schemeClr val="accent1"/>
-              </a:buClr>
-              <a:buSzPct val="80000"/>
-              <a:buFont typeface="Wingdings 3" charset="2"/>
-              <a:buChar char=""/>
-              <a:defRPr kumimoji="1" sz="1200" kern="1200">
-                <a:solidFill>
-                  <a:schemeClr val="tx1">
-                    <a:lumMod val="75000"/>
-                    <a:lumOff val="25000"/>
-                  </a:schemeClr>
-                </a:solidFill>
-                <a:latin typeface="+mn-lt"/>
-                <a:ea typeface="+mn-ea"/>
-                <a:cs typeface="+mn-cs"/>
-              </a:defRPr>
-            </a:lvl9pPr>
-          </a:lstStyle>
-          <a:p>
-            <a:pPr marL="0" indent="0" algn="ctr">
-              <a:buNone/>
-            </a:pPr>
-            <a:r>
-              <a:rPr lang="ja-JP" altLang="en-US" sz="4000" b="1" dirty="0"/>
+            <a:r>
+              <a:rPr lang="ja-JP" altLang="en-US" sz="2800" dirty="0"/>
               <a:t>・</a:t>
             </a:r>
             <a:r>
-              <a:rPr lang="ja-JP" altLang="en-US" sz="4000" b="1" u="sng" dirty="0"/>
-              <a:t>教科書の範囲</a:t>
-            </a:r>
-            <a:endParaRPr lang="en-US" altLang="ja-JP" sz="4000" b="1" u="sng" dirty="0"/>
-          </a:p>
-          <a:p>
-            <a:pPr marL="0" indent="0" algn="ctr">
-              <a:buNone/>
-            </a:pPr>
-            <a:r>
               <a:rPr lang="en-US" altLang="ja-JP" sz="2800" dirty="0"/>
-              <a:t>	</a:t>
-            </a:r>
-            <a:r>
-              <a:rPr lang="en-US" altLang="ja-JP" sz="4800" dirty="0"/>
-              <a:t>Unity3D</a:t>
-            </a:r>
-            <a:r>
-              <a:rPr lang="ja-JP" altLang="en-US" sz="4800" dirty="0"/>
-              <a:t>：</a:t>
-            </a:r>
-            <a:r>
-              <a:rPr lang="en-US" altLang="ja-JP" sz="4800" dirty="0"/>
-              <a:t>43~80p</a:t>
-            </a:r>
-          </a:p>
-          <a:p>
-            <a:pPr marL="0" indent="0" algn="ctr">
-              <a:buNone/>
-            </a:pPr>
-            <a:endParaRPr lang="en-US" altLang="ja-JP" sz="3200" dirty="0"/>
-          </a:p>
-          <a:p>
-            <a:pPr algn="ctr"/>
-            <a:endParaRPr lang="ja-JP" altLang="en-US" sz="3200" dirty="0"/>
-          </a:p>
-        </p:txBody>
-      </p:sp>
-      <p:sp>
-        <p:nvSpPr>
-          <p:cNvPr id="3" name="テキスト ボックス 2">
-            <a:extLst>
-              <a:ext uri="{FF2B5EF4-FFF2-40B4-BE49-F238E27FC236}">
-                <a16:creationId xmlns:a16="http://schemas.microsoft.com/office/drawing/2014/main" id="{B41C1C11-AA1D-4211-817F-60BE8665658C}"/>
-              </a:ext>
-            </a:extLst>
-          </p:cNvPr>
-          <p:cNvSpPr txBox="1"/>
-          <p:nvPr/>
-        </p:nvSpPr>
-        <p:spPr>
-          <a:xfrm>
-            <a:off x="2064042" y="3646119"/>
-            <a:ext cx="8802410" cy="954107"/>
-          </a:xfrm>
-          <a:prstGeom prst="rect">
-            <a:avLst/>
-          </a:prstGeom>
-          <a:noFill/>
-        </p:spPr>
-        <p:txBody>
-          <a:bodyPr wrap="none" rtlCol="0">
-            <a:spAutoFit/>
-          </a:bodyPr>
-          <a:lstStyle/>
-          <a:p>
-            <a:pPr algn="ctr"/>
-            <a:r>
-              <a:rPr kumimoji="1" lang="ja-JP" altLang="en-US" sz="2800" dirty="0"/>
-              <a:t>分からなくて良いので、</a:t>
-            </a:r>
-            <a:endParaRPr kumimoji="1" lang="en-US" altLang="ja-JP" sz="2800" dirty="0"/>
-          </a:p>
-          <a:p>
-            <a:r>
-              <a:rPr kumimoji="1" lang="ja-JP" altLang="en-US" sz="2800" dirty="0"/>
-              <a:t>教科書に書いてある通りにどんどん進めていきます！</a:t>
-            </a:r>
-          </a:p>
-        </p:txBody>
-      </p:sp>
-    </p:spTree>
-    <p:extLst>
-      <p:ext uri="{BB962C8B-B14F-4D97-AF65-F5344CB8AC3E}">
-        <p14:creationId xmlns:p14="http://schemas.microsoft.com/office/powerpoint/2010/main" val="348509990"/>
-      </p:ext>
-    </p:extLst>
-  </p:cSld>
-  <p:clrMapOvr>
-    <a:masterClrMapping/>
-  </p:clrMapOvr>
-</p:sld>
-</file>
-
-<file path=ppt/slides/slide14.xml><?xml version="1.0" encoding="utf-8"?>
-<p:sld xmlns:a="http://schemas.openxmlformats.org/drawingml/2006/main" xmlns:r="http://schemas.openxmlformats.org/officeDocument/2006/relationships" xmlns:p="http://schemas.openxmlformats.org/presentationml/2006/main">
-  <p:cSld>
-    <p:spTree>
-      <p:nvGrpSpPr>
-        <p:cNvPr id="1" name=""/>
-        <p:cNvGrpSpPr/>
-        <p:nvPr/>
-      </p:nvGrpSpPr>
-      <p:grpSpPr>
-        <a:xfrm>
-          <a:off x="0" y="0"/>
-          <a:ext cx="0" cy="0"/>
-          <a:chOff x="0" y="0"/>
-          <a:chExt cx="0" cy="0"/>
-        </a:xfrm>
-      </p:grpSpPr>
-      <p:pic>
-        <p:nvPicPr>
-          <p:cNvPr id="8" name="図 7">
-            <a:extLst>
-              <a:ext uri="{FF2B5EF4-FFF2-40B4-BE49-F238E27FC236}">
-                <a16:creationId xmlns:a16="http://schemas.microsoft.com/office/drawing/2014/main" id="{3FE450E9-4586-4B48-972D-14C9C040F256}"/>
-              </a:ext>
-            </a:extLst>
-          </p:cNvPr>
-          <p:cNvPicPr>
-            <a:picLocks noChangeAspect="1"/>
-          </p:cNvPicPr>
-          <p:nvPr/>
-        </p:nvPicPr>
-        <p:blipFill>
-          <a:blip r:embed="rId2">
-            <a:extLst>
-              <a:ext uri="{28A0092B-C50C-407E-A947-70E740481C1C}">
-                <a14:useLocalDpi xmlns:a14="http://schemas.microsoft.com/office/drawing/2010/main" val="0"/>
-              </a:ext>
-            </a:extLst>
-          </a:blip>
-          <a:stretch>
-            <a:fillRect/>
-          </a:stretch>
-        </p:blipFill>
-        <p:spPr>
-          <a:xfrm>
-            <a:off x="9539909" y="101484"/>
-            <a:ext cx="2540579" cy="508116"/>
-          </a:xfrm>
-          <a:prstGeom prst="snip2DiagRect">
-            <a:avLst/>
-          </a:prstGeom>
-          <a:solidFill>
-            <a:srgbClr val="FFFFFF">
-              <a:shade val="85000"/>
-            </a:srgbClr>
-          </a:solidFill>
-          <a:ln w="88900" cap="sq">
-            <a:solidFill>
-              <a:srgbClr val="FFFFFF"/>
-            </a:solidFill>
-            <a:miter lim="800000"/>
-          </a:ln>
-          <a:effectLst>
-            <a:outerShdw blurRad="88900" algn="tl" rotWithShape="0">
-              <a:srgbClr val="000000">
-                <a:alpha val="45000"/>
-              </a:srgbClr>
-            </a:outerShdw>
-          </a:effectLst>
-          <a:scene3d>
-            <a:camera prst="orthographicFront"/>
-            <a:lightRig rig="twoPt" dir="t">
-              <a:rot lat="0" lon="0" rev="7200000"/>
-            </a:lightRig>
-          </a:scene3d>
-          <a:sp3d>
-            <a:bevelT w="25400" h="19050"/>
-            <a:contourClr>
-              <a:srgbClr val="FFFFFF"/>
-            </a:contourClr>
-          </a:sp3d>
-        </p:spPr>
-      </p:pic>
-      <p:sp>
-        <p:nvSpPr>
-          <p:cNvPr id="14" name="タイトル 1">
-            <a:extLst>
-              <a:ext uri="{FF2B5EF4-FFF2-40B4-BE49-F238E27FC236}">
-                <a16:creationId xmlns:a16="http://schemas.microsoft.com/office/drawing/2014/main" id="{455EA0C2-4FB9-43BC-8B7F-C436C1DEF47F}"/>
-              </a:ext>
-            </a:extLst>
-          </p:cNvPr>
-          <p:cNvSpPr txBox="1">
-            <a:spLocks/>
-          </p:cNvSpPr>
-          <p:nvPr/>
-        </p:nvSpPr>
-        <p:spPr>
-          <a:xfrm>
-            <a:off x="111512" y="196418"/>
-            <a:ext cx="8596668" cy="660400"/>
-          </a:xfrm>
-          <a:prstGeom prst="rect">
-            <a:avLst/>
-          </a:prstGeom>
-        </p:spPr>
-        <p:txBody>
-          <a:bodyPr vert="horz" lIns="91440" tIns="45720" rIns="91440" bIns="45720" rtlCol="0" anchor="t">
-            <a:normAutofit/>
-          </a:bodyPr>
-          <a:lstStyle>
-            <a:lvl1pPr algn="l" defTabSz="457200" rtl="0" eaLnBrk="1" latinLnBrk="0" hangingPunct="1">
-              <a:spcBef>
-                <a:spcPct val="0"/>
-              </a:spcBef>
-              <a:buNone/>
-              <a:defRPr kumimoji="1" sz="3600" kern="1200">
-                <a:solidFill>
-                  <a:schemeClr val="accent1"/>
-                </a:solidFill>
-                <a:latin typeface="+mj-lt"/>
-                <a:ea typeface="+mj-ea"/>
-                <a:cs typeface="+mj-cs"/>
-              </a:defRPr>
-            </a:lvl1pPr>
-            <a:lvl2pPr eaLnBrk="1" hangingPunct="1">
-              <a:defRPr kumimoji="1">
-                <a:solidFill>
-                  <a:schemeClr val="tx2"/>
-                </a:solidFill>
-              </a:defRPr>
-            </a:lvl2pPr>
-            <a:lvl3pPr eaLnBrk="1" hangingPunct="1">
-              <a:defRPr kumimoji="1">
-                <a:solidFill>
-                  <a:schemeClr val="tx2"/>
-                </a:solidFill>
-              </a:defRPr>
-            </a:lvl3pPr>
-            <a:lvl4pPr eaLnBrk="1" hangingPunct="1">
-              <a:defRPr kumimoji="1">
-                <a:solidFill>
-                  <a:schemeClr val="tx2"/>
-                </a:solidFill>
-              </a:defRPr>
-            </a:lvl4pPr>
-            <a:lvl5pPr eaLnBrk="1" hangingPunct="1">
-              <a:defRPr kumimoji="1">
-                <a:solidFill>
-                  <a:schemeClr val="tx2"/>
-                </a:solidFill>
-              </a:defRPr>
-            </a:lvl5pPr>
-            <a:lvl6pPr eaLnBrk="1" hangingPunct="1">
-              <a:defRPr kumimoji="1">
-                <a:solidFill>
-                  <a:schemeClr val="tx2"/>
-                </a:solidFill>
-              </a:defRPr>
-            </a:lvl6pPr>
-            <a:lvl7pPr eaLnBrk="1" hangingPunct="1">
-              <a:defRPr kumimoji="1">
-                <a:solidFill>
-                  <a:schemeClr val="tx2"/>
-                </a:solidFill>
-              </a:defRPr>
-            </a:lvl7pPr>
-            <a:lvl8pPr eaLnBrk="1" hangingPunct="1">
-              <a:defRPr kumimoji="1">
-                <a:solidFill>
-                  <a:schemeClr val="tx2"/>
-                </a:solidFill>
-              </a:defRPr>
-            </a:lvl8pPr>
-            <a:lvl9pPr eaLnBrk="1" hangingPunct="1">
-              <a:defRPr kumimoji="1">
-                <a:solidFill>
-                  <a:schemeClr val="tx2"/>
-                </a:solidFill>
-              </a:defRPr>
-            </a:lvl9pPr>
-          </a:lstStyle>
-          <a:p>
-            <a:r>
-              <a:rPr lang="en-US" altLang="ja-JP" dirty="0">
-                <a:solidFill>
-                  <a:schemeClr val="tx1"/>
-                </a:solidFill>
-              </a:rPr>
-              <a:t>C#</a:t>
-            </a:r>
-            <a:r>
-              <a:rPr lang="ja-JP" altLang="en-US" dirty="0">
-                <a:solidFill>
-                  <a:schemeClr val="tx1"/>
-                </a:solidFill>
-              </a:rPr>
-              <a:t>の勉強は必要</a:t>
-            </a:r>
-          </a:p>
-        </p:txBody>
-      </p:sp>
-      <p:sp>
-        <p:nvSpPr>
-          <p:cNvPr id="9" name="テキスト ボックス 8">
-            <a:extLst>
-              <a:ext uri="{FF2B5EF4-FFF2-40B4-BE49-F238E27FC236}">
-                <a16:creationId xmlns:a16="http://schemas.microsoft.com/office/drawing/2014/main" id="{68ED8334-018C-4F27-9D27-BF0E76DFE319}"/>
-              </a:ext>
-            </a:extLst>
-          </p:cNvPr>
-          <p:cNvSpPr txBox="1"/>
-          <p:nvPr/>
-        </p:nvSpPr>
-        <p:spPr>
-          <a:xfrm>
-            <a:off x="809936" y="1357805"/>
-            <a:ext cx="10572125" cy="923330"/>
-          </a:xfrm>
-          <a:prstGeom prst="rect">
-            <a:avLst/>
-          </a:prstGeom>
-        </p:spPr>
-        <p:style>
-          <a:lnRef idx="2">
-            <a:schemeClr val="accent1">
-              <a:shade val="50000"/>
-            </a:schemeClr>
-          </a:lnRef>
-          <a:fillRef idx="1">
-            <a:schemeClr val="accent1"/>
-          </a:fillRef>
-          <a:effectRef idx="0">
-            <a:schemeClr val="accent1"/>
-          </a:effectRef>
-          <a:fontRef idx="minor">
-            <a:schemeClr val="lt1"/>
-          </a:fontRef>
-        </p:style>
-        <p:txBody>
-          <a:bodyPr wrap="none" rtlCol="0">
-            <a:spAutoFit/>
-          </a:bodyPr>
-          <a:lstStyle/>
-          <a:p>
-            <a:pPr algn="ctr"/>
-            <a:r>
-              <a:rPr lang="ja-JP" altLang="en-US" sz="5400" dirty="0"/>
-              <a:t>どうですか、苦しかったですか？</a:t>
-            </a:r>
-            <a:endParaRPr lang="en-US" altLang="ja-JP" sz="5400" dirty="0"/>
-          </a:p>
-        </p:txBody>
-      </p:sp>
-      <p:sp>
-        <p:nvSpPr>
-          <p:cNvPr id="10" name="テキスト ボックス 9">
-            <a:extLst>
-              <a:ext uri="{FF2B5EF4-FFF2-40B4-BE49-F238E27FC236}">
-                <a16:creationId xmlns:a16="http://schemas.microsoft.com/office/drawing/2014/main" id="{80FC6865-8045-4FDC-A355-1A573CE924A9}"/>
-              </a:ext>
-            </a:extLst>
-          </p:cNvPr>
-          <p:cNvSpPr txBox="1"/>
-          <p:nvPr/>
-        </p:nvSpPr>
-        <p:spPr>
-          <a:xfrm>
-            <a:off x="853219" y="3130621"/>
-            <a:ext cx="10485564" cy="1384995"/>
-          </a:xfrm>
-          <a:prstGeom prst="rect">
-            <a:avLst/>
-          </a:prstGeom>
-          <a:noFill/>
-        </p:spPr>
-        <p:txBody>
-          <a:bodyPr wrap="none" rtlCol="0">
-            <a:spAutoFit/>
-          </a:bodyPr>
-          <a:lstStyle/>
-          <a:p>
-            <a:pPr algn="ctr"/>
+              <a:t>Unity</a:t>
+            </a:r>
             <a:r>
               <a:rPr lang="ja-JP" altLang="en-US" sz="2800" dirty="0"/>
-              <a:t>意味不明な呪文を書かされたという人が殆どでしょう。</a:t>
-            </a:r>
-            <a:endParaRPr lang="en-US" altLang="ja-JP" sz="2800" dirty="0"/>
-          </a:p>
-          <a:p>
-            <a:pPr algn="ctr"/>
+              <a:t>は</a:t>
+            </a:r>
             <a:r>
               <a:rPr lang="en-US" altLang="ja-JP" sz="2800" dirty="0"/>
               <a:t>C#</a:t>
             </a:r>
             <a:r>
               <a:rPr lang="ja-JP" altLang="en-US" sz="2800" dirty="0"/>
-              <a:t>を学べば、意味不明な呪文が明快な命令に変わります。</a:t>
+              <a:t>で動かす</a:t>
             </a:r>
             <a:endParaRPr lang="en-US" altLang="ja-JP" sz="2800" dirty="0"/>
           </a:p>
           <a:p>
-            <a:pPr algn="ctr"/>
+            <a:r>
+              <a:rPr lang="ja-JP" altLang="en-US" sz="2800" dirty="0"/>
+              <a:t>　</a:t>
+            </a:r>
+            <a:endParaRPr lang="en-US" altLang="ja-JP" sz="2800" dirty="0"/>
+          </a:p>
+          <a:p>
             <a:r>
               <a:rPr kumimoji="1" lang="ja-JP" altLang="en-US" sz="2800" dirty="0"/>
-              <a:t>これで</a:t>
-            </a:r>
-            <a:r>
-              <a:rPr kumimoji="1" lang="en-US" altLang="ja-JP" sz="2800" dirty="0"/>
-              <a:t>Unity</a:t>
-            </a:r>
-            <a:r>
-              <a:rPr kumimoji="1" lang="ja-JP" altLang="en-US" sz="2800" dirty="0"/>
-              <a:t>の学習には</a:t>
+              <a:t>・</a:t>
             </a:r>
             <a:r>
               <a:rPr kumimoji="1" lang="en-US" altLang="ja-JP" sz="2800" dirty="0"/>
@@ -6497,784 +5541,82 @@
             </a:r>
             <a:r>
               <a:rPr kumimoji="1" lang="ja-JP" altLang="en-US" sz="2800" dirty="0"/>
-              <a:t>のお勉強が必須だと分かりましたね？</a:t>
-            </a:r>
-            <a:endParaRPr kumimoji="1" lang="ja-JP" altLang="en-US" dirty="0"/>
-          </a:p>
-        </p:txBody>
-      </p:sp>
-      <p:sp>
-        <p:nvSpPr>
-          <p:cNvPr id="3" name="テキスト ボックス 2">
-            <a:extLst>
-              <a:ext uri="{FF2B5EF4-FFF2-40B4-BE49-F238E27FC236}">
-                <a16:creationId xmlns:a16="http://schemas.microsoft.com/office/drawing/2014/main" id="{85A6B54E-7800-4108-BFB1-AEE4AB3A95FB}"/>
-              </a:ext>
-            </a:extLst>
-          </p:cNvPr>
-          <p:cNvSpPr txBox="1"/>
-          <p:nvPr/>
-        </p:nvSpPr>
-        <p:spPr>
-          <a:xfrm>
-            <a:off x="2326376" y="4821498"/>
-            <a:ext cx="7026282" cy="1077218"/>
-          </a:xfrm>
-          <a:prstGeom prst="rect">
-            <a:avLst/>
-          </a:prstGeom>
-          <a:noFill/>
-        </p:spPr>
-        <p:txBody>
-          <a:bodyPr wrap="none" rtlCol="0">
-            <a:spAutoFit/>
-          </a:bodyPr>
-          <a:lstStyle/>
-          <a:p>
-            <a:r>
-              <a:rPr kumimoji="1" lang="ja-JP" altLang="en-US" sz="2400" dirty="0"/>
-              <a:t>なので、</a:t>
-            </a:r>
-            <a:endParaRPr kumimoji="1" lang="en-US" altLang="ja-JP" sz="2400" dirty="0"/>
-          </a:p>
-          <a:p>
-            <a:r>
-              <a:rPr lang="ja-JP" altLang="en-US" sz="4000" b="1" u="sng" dirty="0"/>
-              <a:t>次からは</a:t>
-            </a:r>
-            <a:r>
-              <a:rPr lang="en-US" altLang="ja-JP" sz="4000" b="1" u="sng" dirty="0"/>
-              <a:t>C#</a:t>
-            </a:r>
-            <a:r>
-              <a:rPr lang="ja-JP" altLang="en-US" sz="4000" b="1" u="sng" dirty="0"/>
-              <a:t>の勉強をします！</a:t>
-            </a:r>
-            <a:endParaRPr kumimoji="1" lang="ja-JP" altLang="en-US" sz="2800" b="1" u="sng" dirty="0"/>
-          </a:p>
-        </p:txBody>
-      </p:sp>
-    </p:spTree>
-    <p:extLst>
-      <p:ext uri="{BB962C8B-B14F-4D97-AF65-F5344CB8AC3E}">
-        <p14:creationId xmlns:p14="http://schemas.microsoft.com/office/powerpoint/2010/main" val="2782849801"/>
-      </p:ext>
-    </p:extLst>
-  </p:cSld>
-  <p:clrMapOvr>
-    <a:masterClrMapping/>
-  </p:clrMapOvr>
-</p:sld>
-</file>
-
-<file path=ppt/slides/slide15.xml><?xml version="1.0" encoding="utf-8"?>
-<p:sld xmlns:a="http://schemas.openxmlformats.org/drawingml/2006/main" xmlns:r="http://schemas.openxmlformats.org/officeDocument/2006/relationships" xmlns:p="http://schemas.openxmlformats.org/presentationml/2006/main">
-  <p:cSld>
-    <p:spTree>
-      <p:nvGrpSpPr>
-        <p:cNvPr id="1" name=""/>
-        <p:cNvGrpSpPr/>
-        <p:nvPr/>
-      </p:nvGrpSpPr>
-      <p:grpSpPr>
-        <a:xfrm>
-          <a:off x="0" y="0"/>
-          <a:ext cx="0" cy="0"/>
-          <a:chOff x="0" y="0"/>
-          <a:chExt cx="0" cy="0"/>
-        </a:xfrm>
-      </p:grpSpPr>
-      <p:pic>
-        <p:nvPicPr>
-          <p:cNvPr id="15" name="図 14">
-            <a:extLst>
-              <a:ext uri="{FF2B5EF4-FFF2-40B4-BE49-F238E27FC236}">
-                <a16:creationId xmlns:a16="http://schemas.microsoft.com/office/drawing/2014/main" id="{9FD2C736-3AF5-4B4E-8A54-DE65D4C3BB67}"/>
-              </a:ext>
-            </a:extLst>
-          </p:cNvPr>
-          <p:cNvPicPr>
-            <a:picLocks noChangeAspect="1"/>
-          </p:cNvPicPr>
-          <p:nvPr/>
-        </p:nvPicPr>
-        <p:blipFill>
-          <a:blip r:embed="rId2">
-            <a:extLst>
-              <a:ext uri="{28A0092B-C50C-407E-A947-70E740481C1C}">
-                <a14:useLocalDpi xmlns:a14="http://schemas.microsoft.com/office/drawing/2010/main" val="0"/>
-              </a:ext>
-            </a:extLst>
-          </a:blip>
-          <a:stretch>
-            <a:fillRect/>
-          </a:stretch>
-        </p:blipFill>
-        <p:spPr>
-          <a:xfrm>
-            <a:off x="9539909" y="101484"/>
-            <a:ext cx="2540579" cy="508116"/>
-          </a:xfrm>
-          <a:prstGeom prst="snip2DiagRect">
-            <a:avLst/>
-          </a:prstGeom>
-          <a:solidFill>
-            <a:srgbClr val="FFFFFF">
-              <a:shade val="85000"/>
-            </a:srgbClr>
-          </a:solidFill>
-          <a:ln w="88900" cap="sq">
-            <a:solidFill>
-              <a:srgbClr val="FFFFFF"/>
-            </a:solidFill>
-            <a:miter lim="800000"/>
-          </a:ln>
-          <a:effectLst>
-            <a:outerShdw blurRad="88900" algn="tl" rotWithShape="0">
-              <a:srgbClr val="000000">
-                <a:alpha val="45000"/>
-              </a:srgbClr>
-            </a:outerShdw>
-          </a:effectLst>
-          <a:scene3d>
-            <a:camera prst="orthographicFront"/>
-            <a:lightRig rig="twoPt" dir="t">
-              <a:rot lat="0" lon="0" rev="7200000"/>
-            </a:lightRig>
-          </a:scene3d>
-          <a:sp3d>
-            <a:bevelT w="25400" h="19050"/>
-            <a:contourClr>
-              <a:srgbClr val="FFFFFF"/>
-            </a:contourClr>
-          </a:sp3d>
-        </p:spPr>
-      </p:pic>
-      <p:sp>
-        <p:nvSpPr>
-          <p:cNvPr id="8" name="タイトル 1">
-            <a:extLst>
-              <a:ext uri="{FF2B5EF4-FFF2-40B4-BE49-F238E27FC236}">
-                <a16:creationId xmlns:a16="http://schemas.microsoft.com/office/drawing/2014/main" id="{7306D0C2-BB07-4A29-9BA7-33920822824D}"/>
-              </a:ext>
-            </a:extLst>
-          </p:cNvPr>
-          <p:cNvSpPr txBox="1">
-            <a:spLocks/>
-          </p:cNvSpPr>
-          <p:nvPr/>
-        </p:nvSpPr>
-        <p:spPr>
-          <a:xfrm>
-            <a:off x="294598" y="-5492"/>
-            <a:ext cx="10515600" cy="1230183"/>
-          </a:xfrm>
-          <a:prstGeom prst="rect">
-            <a:avLst/>
-          </a:prstGeom>
-        </p:spPr>
-        <p:txBody>
-          <a:bodyPr vert="horz" lIns="91440" tIns="45720" rIns="91440" bIns="45720" rtlCol="0" anchor="ctr">
-            <a:normAutofit/>
-          </a:bodyPr>
-          <a:lstStyle>
-            <a:lvl1pPr algn="l" defTabSz="914400" rtl="0" eaLnBrk="1" latinLnBrk="0" hangingPunct="1">
-              <a:lnSpc>
-                <a:spcPct val="90000"/>
-              </a:lnSpc>
-              <a:spcBef>
-                <a:spcPct val="0"/>
-              </a:spcBef>
-              <a:buNone/>
-              <a:defRPr kumimoji="1" sz="4400" kern="1200">
-                <a:solidFill>
-                  <a:schemeClr val="tx1"/>
-                </a:solidFill>
-                <a:latin typeface="+mj-lt"/>
-                <a:ea typeface="+mj-ea"/>
-                <a:cs typeface="+mj-cs"/>
-              </a:defRPr>
-            </a:lvl1pPr>
-          </a:lstStyle>
-          <a:p>
-            <a:r>
-              <a:rPr lang="ja-JP" altLang="en-US" b="1" dirty="0"/>
-              <a:t>まとめ</a:t>
-            </a:r>
-          </a:p>
-        </p:txBody>
-      </p:sp>
-      <p:sp>
-        <p:nvSpPr>
-          <p:cNvPr id="6" name="コンテンツ プレースホルダー 2">
-            <a:extLst>
-              <a:ext uri="{FF2B5EF4-FFF2-40B4-BE49-F238E27FC236}">
-                <a16:creationId xmlns:a16="http://schemas.microsoft.com/office/drawing/2014/main" id="{9833EB74-73B2-43EE-B1C0-CCF48283D1C4}"/>
-              </a:ext>
-            </a:extLst>
-          </p:cNvPr>
-          <p:cNvSpPr txBox="1">
-            <a:spLocks/>
-          </p:cNvSpPr>
-          <p:nvPr/>
-        </p:nvSpPr>
-        <p:spPr>
-          <a:xfrm>
-            <a:off x="7519048" y="889722"/>
-            <a:ext cx="4112817" cy="1710604"/>
-          </a:xfrm>
-          <a:prstGeom prst="rect">
-            <a:avLst/>
-          </a:prstGeom>
-        </p:spPr>
-        <p:txBody>
-          <a:bodyPr vert="horz" lIns="91440" tIns="45720" rIns="91440" bIns="45720" rtlCol="0">
-            <a:normAutofit/>
-          </a:bodyPr>
-          <a:lstStyle>
-            <a:lvl1pPr marL="342900" indent="-342900" algn="l" defTabSz="457200" rtl="0" eaLnBrk="1" latinLnBrk="0" hangingPunct="1">
-              <a:spcBef>
-                <a:spcPts val="1000"/>
-              </a:spcBef>
-              <a:spcAft>
-                <a:spcPts val="0"/>
-              </a:spcAft>
-              <a:buClr>
-                <a:schemeClr val="accent1"/>
-              </a:buClr>
-              <a:buSzPct val="80000"/>
-              <a:buFont typeface="Wingdings 3" charset="2"/>
-              <a:buChar char=""/>
-              <a:defRPr kumimoji="1" sz="1800" kern="1200">
-                <a:solidFill>
-                  <a:schemeClr val="tx1">
-                    <a:lumMod val="75000"/>
-                    <a:lumOff val="25000"/>
-                  </a:schemeClr>
-                </a:solidFill>
-                <a:latin typeface="+mn-lt"/>
-                <a:ea typeface="+mn-ea"/>
-                <a:cs typeface="+mn-cs"/>
-              </a:defRPr>
-            </a:lvl1pPr>
-            <a:lvl2pPr marL="742950" indent="-285750" algn="l" defTabSz="457200" rtl="0" eaLnBrk="1" latinLnBrk="0" hangingPunct="1">
-              <a:spcBef>
-                <a:spcPts val="1000"/>
-              </a:spcBef>
-              <a:spcAft>
-                <a:spcPts val="0"/>
-              </a:spcAft>
-              <a:buClr>
-                <a:schemeClr val="accent1"/>
-              </a:buClr>
-              <a:buSzPct val="80000"/>
-              <a:buFont typeface="Wingdings 3" charset="2"/>
-              <a:buChar char=""/>
-              <a:defRPr kumimoji="1" sz="1600" kern="1200">
-                <a:solidFill>
-                  <a:schemeClr val="tx1">
-                    <a:lumMod val="75000"/>
-                    <a:lumOff val="25000"/>
-                  </a:schemeClr>
-                </a:solidFill>
-                <a:latin typeface="+mn-lt"/>
-                <a:ea typeface="+mn-ea"/>
-                <a:cs typeface="+mn-cs"/>
-              </a:defRPr>
-            </a:lvl2pPr>
-            <a:lvl3pPr marL="1143000" indent="-228600" algn="l" defTabSz="457200" rtl="0" eaLnBrk="1" latinLnBrk="0" hangingPunct="1">
-              <a:spcBef>
-                <a:spcPts val="1000"/>
-              </a:spcBef>
-              <a:spcAft>
-                <a:spcPts val="0"/>
-              </a:spcAft>
-              <a:buClr>
-                <a:schemeClr val="accent1"/>
-              </a:buClr>
-              <a:buSzPct val="80000"/>
-              <a:buFont typeface="Wingdings 3" charset="2"/>
-              <a:buChar char=""/>
-              <a:defRPr kumimoji="1" sz="1400" kern="1200">
-                <a:solidFill>
-                  <a:schemeClr val="tx1">
-                    <a:lumMod val="75000"/>
-                    <a:lumOff val="25000"/>
-                  </a:schemeClr>
-                </a:solidFill>
-                <a:latin typeface="+mn-lt"/>
-                <a:ea typeface="+mn-ea"/>
-                <a:cs typeface="+mn-cs"/>
-              </a:defRPr>
-            </a:lvl3pPr>
-            <a:lvl4pPr marL="1600200" indent="-228600" algn="l" defTabSz="457200" rtl="0" eaLnBrk="1" latinLnBrk="0" hangingPunct="1">
-              <a:spcBef>
-                <a:spcPts val="1000"/>
-              </a:spcBef>
-              <a:spcAft>
-                <a:spcPts val="0"/>
-              </a:spcAft>
-              <a:buClr>
-                <a:schemeClr val="accent1"/>
-              </a:buClr>
-              <a:buSzPct val="80000"/>
-              <a:buFont typeface="Wingdings 3" charset="2"/>
-              <a:buChar char=""/>
-              <a:defRPr kumimoji="1" sz="1200" kern="1200">
-                <a:solidFill>
-                  <a:schemeClr val="tx1">
-                    <a:lumMod val="75000"/>
-                    <a:lumOff val="25000"/>
-                  </a:schemeClr>
-                </a:solidFill>
-                <a:latin typeface="+mn-lt"/>
-                <a:ea typeface="+mn-ea"/>
-                <a:cs typeface="+mn-cs"/>
-              </a:defRPr>
-            </a:lvl4pPr>
-            <a:lvl5pPr marL="2057400" indent="-228600" algn="l" defTabSz="457200" rtl="0" eaLnBrk="1" latinLnBrk="0" hangingPunct="1">
-              <a:spcBef>
-                <a:spcPts val="1000"/>
-              </a:spcBef>
-              <a:spcAft>
-                <a:spcPts val="0"/>
-              </a:spcAft>
-              <a:buClr>
-                <a:schemeClr val="accent1"/>
-              </a:buClr>
-              <a:buSzPct val="80000"/>
-              <a:buFont typeface="Wingdings 3" charset="2"/>
-              <a:buChar char=""/>
-              <a:defRPr kumimoji="1" sz="1200" kern="1200">
-                <a:solidFill>
-                  <a:schemeClr val="tx1">
-                    <a:lumMod val="75000"/>
-                    <a:lumOff val="25000"/>
-                  </a:schemeClr>
-                </a:solidFill>
-                <a:latin typeface="+mn-lt"/>
-                <a:ea typeface="+mn-ea"/>
-                <a:cs typeface="+mn-cs"/>
-              </a:defRPr>
-            </a:lvl5pPr>
-            <a:lvl6pPr marL="2514600" indent="-228600" algn="l" defTabSz="457200" rtl="0" eaLnBrk="1" latinLnBrk="0" hangingPunct="1">
-              <a:spcBef>
-                <a:spcPts val="1000"/>
-              </a:spcBef>
-              <a:spcAft>
-                <a:spcPts val="0"/>
-              </a:spcAft>
-              <a:buClr>
-                <a:schemeClr val="accent1"/>
-              </a:buClr>
-              <a:buSzPct val="80000"/>
-              <a:buFont typeface="Wingdings 3" charset="2"/>
-              <a:buChar char=""/>
-              <a:defRPr kumimoji="1" sz="1200" kern="1200">
-                <a:solidFill>
-                  <a:schemeClr val="tx1">
-                    <a:lumMod val="75000"/>
-                    <a:lumOff val="25000"/>
-                  </a:schemeClr>
-                </a:solidFill>
-                <a:latin typeface="+mn-lt"/>
-                <a:ea typeface="+mn-ea"/>
-                <a:cs typeface="+mn-cs"/>
-              </a:defRPr>
-            </a:lvl6pPr>
-            <a:lvl7pPr marL="2971800" indent="-228600" algn="l" defTabSz="457200" rtl="0" eaLnBrk="1" latinLnBrk="0" hangingPunct="1">
-              <a:spcBef>
-                <a:spcPts val="1000"/>
-              </a:spcBef>
-              <a:spcAft>
-                <a:spcPts val="0"/>
-              </a:spcAft>
-              <a:buClr>
-                <a:schemeClr val="accent1"/>
-              </a:buClr>
-              <a:buSzPct val="80000"/>
-              <a:buFont typeface="Wingdings 3" charset="2"/>
-              <a:buChar char=""/>
-              <a:defRPr kumimoji="1" sz="1200" kern="1200">
-                <a:solidFill>
-                  <a:schemeClr val="tx1">
-                    <a:lumMod val="75000"/>
-                    <a:lumOff val="25000"/>
-                  </a:schemeClr>
-                </a:solidFill>
-                <a:latin typeface="+mn-lt"/>
-                <a:ea typeface="+mn-ea"/>
-                <a:cs typeface="+mn-cs"/>
-              </a:defRPr>
-            </a:lvl7pPr>
-            <a:lvl8pPr marL="3429000" indent="-228600" algn="l" defTabSz="457200" rtl="0" eaLnBrk="1" latinLnBrk="0" hangingPunct="1">
-              <a:spcBef>
-                <a:spcPts val="1000"/>
-              </a:spcBef>
-              <a:spcAft>
-                <a:spcPts val="0"/>
-              </a:spcAft>
-              <a:buClr>
-                <a:schemeClr val="accent1"/>
-              </a:buClr>
-              <a:buSzPct val="80000"/>
-              <a:buFont typeface="Wingdings 3" charset="2"/>
-              <a:buChar char=""/>
-              <a:defRPr kumimoji="1" sz="1200" kern="1200">
-                <a:solidFill>
-                  <a:schemeClr val="tx1">
-                    <a:lumMod val="75000"/>
-                    <a:lumOff val="25000"/>
-                  </a:schemeClr>
-                </a:solidFill>
-                <a:latin typeface="+mn-lt"/>
-                <a:ea typeface="+mn-ea"/>
-                <a:cs typeface="+mn-cs"/>
-              </a:defRPr>
-            </a:lvl8pPr>
-            <a:lvl9pPr marL="3886200" indent="-228600" algn="l" defTabSz="457200" rtl="0" eaLnBrk="1" latinLnBrk="0" hangingPunct="1">
-              <a:spcBef>
-                <a:spcPts val="1000"/>
-              </a:spcBef>
-              <a:spcAft>
-                <a:spcPts val="0"/>
-              </a:spcAft>
-              <a:buClr>
-                <a:schemeClr val="accent1"/>
-              </a:buClr>
-              <a:buSzPct val="80000"/>
-              <a:buFont typeface="Wingdings 3" charset="2"/>
-              <a:buChar char=""/>
-              <a:defRPr kumimoji="1" sz="1200" kern="1200">
-                <a:solidFill>
-                  <a:schemeClr val="tx1">
-                    <a:lumMod val="75000"/>
-                    <a:lumOff val="25000"/>
-                  </a:schemeClr>
-                </a:solidFill>
-                <a:latin typeface="+mn-lt"/>
-                <a:ea typeface="+mn-ea"/>
-                <a:cs typeface="+mn-cs"/>
-              </a:defRPr>
-            </a:lvl9pPr>
-          </a:lstStyle>
-          <a:p>
-            <a:r>
-              <a:rPr lang="ja-JP" altLang="en-US" sz="3200" b="1" u="sng" dirty="0"/>
-              <a:t>今回の範囲</a:t>
-            </a:r>
-            <a:endParaRPr lang="en-US" altLang="ja-JP" sz="3200" b="1" u="sng" dirty="0"/>
-          </a:p>
-          <a:p>
-            <a:pPr marL="0" indent="0">
-              <a:buFont typeface="Wingdings 3" charset="2"/>
-              <a:buNone/>
-            </a:pPr>
+              <a:t>は</a:t>
+            </a:r>
+            <a:r>
+              <a:rPr kumimoji="1" lang="en-US" altLang="ja-JP" sz="2800" dirty="0"/>
+              <a:t>Microsoft</a:t>
+            </a:r>
+            <a:r>
+              <a:rPr kumimoji="1" lang="ja-JP" altLang="en-US" sz="2800" dirty="0"/>
+              <a:t>開発</a:t>
+            </a:r>
+            <a:endParaRPr kumimoji="1" lang="en-US" altLang="ja-JP" sz="2800" dirty="0"/>
+          </a:p>
+          <a:p>
+            <a:endParaRPr lang="en-US" altLang="ja-JP" sz="2800" dirty="0"/>
+          </a:p>
+          <a:p>
+            <a:r>
+              <a:rPr kumimoji="1" lang="ja-JP" altLang="en-US" sz="2800" dirty="0"/>
+              <a:t>・</a:t>
+            </a:r>
+            <a:r>
+              <a:rPr kumimoji="1" lang="en-US" altLang="ja-JP" sz="2800" dirty="0"/>
+              <a:t>Start()</a:t>
+            </a:r>
+            <a:r>
+              <a:rPr kumimoji="1" lang="ja-JP" altLang="en-US" sz="2800" dirty="0"/>
+              <a:t>と</a:t>
+            </a:r>
+            <a:r>
+              <a:rPr kumimoji="1" lang="en-US" altLang="ja-JP" sz="2800" dirty="0"/>
+              <a:t>Update()</a:t>
+            </a:r>
+            <a:r>
+              <a:rPr kumimoji="1" lang="ja-JP" altLang="en-US" sz="2800" dirty="0"/>
+              <a:t>の意味</a:t>
+            </a:r>
+            <a:endParaRPr kumimoji="1" lang="en-US" altLang="ja-JP" sz="2800" dirty="0"/>
+          </a:p>
+          <a:p>
+            <a:endParaRPr lang="en-US" altLang="ja-JP" sz="2800" dirty="0"/>
+          </a:p>
+          <a:p>
+            <a:r>
+              <a:rPr kumimoji="1" lang="ja-JP" altLang="en-US" sz="2800" dirty="0"/>
+              <a:t>・</a:t>
+            </a:r>
+            <a:r>
+              <a:rPr kumimoji="1" lang="en-US" altLang="ja-JP" sz="2800" dirty="0" err="1"/>
+              <a:t>Debug.Log</a:t>
+            </a:r>
+            <a:r>
+              <a:rPr kumimoji="1" lang="en-US" altLang="ja-JP" sz="2800" dirty="0"/>
+              <a:t>()</a:t>
+            </a:r>
+            <a:r>
+              <a:rPr kumimoji="1" lang="ja-JP" altLang="en-US" sz="2800" dirty="0"/>
+              <a:t>は覚えておこう</a:t>
+            </a:r>
+            <a:endParaRPr kumimoji="1" lang="en-US" altLang="ja-JP" sz="2800" dirty="0"/>
+          </a:p>
+          <a:p>
+            <a:endParaRPr lang="en-US" altLang="ja-JP" sz="2800" dirty="0"/>
+          </a:p>
+          <a:p>
+            <a:r>
+              <a:rPr kumimoji="1" lang="ja-JP" altLang="en-US" sz="2800" dirty="0"/>
+              <a:t>・</a:t>
+            </a:r>
             <a:r>
               <a:rPr lang="ja-JP" altLang="en-US" sz="2800" dirty="0"/>
-              <a:t>・</a:t>
-            </a:r>
-            <a:r>
-              <a:rPr lang="en-US" altLang="ja-JP" sz="2800" dirty="0"/>
-              <a:t>Unity</a:t>
-            </a:r>
-            <a:r>
-              <a:rPr lang="ja-JP" altLang="en-US" sz="2800" dirty="0"/>
-              <a:t>２</a:t>
-            </a:r>
-            <a:r>
-              <a:rPr lang="en-US" altLang="ja-JP" sz="2800" dirty="0"/>
-              <a:t>D</a:t>
-            </a:r>
-            <a:r>
-              <a:rPr lang="ja-JP" altLang="en-US" sz="2800" dirty="0"/>
-              <a:t>：</a:t>
-            </a:r>
-            <a:r>
-              <a:rPr lang="en-US" altLang="ja-JP" sz="2800" dirty="0"/>
-              <a:t>38~74p</a:t>
-            </a:r>
-          </a:p>
-          <a:p>
-            <a:pPr marL="0" indent="0">
-              <a:buNone/>
-            </a:pPr>
-            <a:r>
-              <a:rPr lang="ja-JP" altLang="en-US" sz="2800" dirty="0"/>
-              <a:t>・</a:t>
-            </a:r>
-            <a:r>
-              <a:rPr lang="en-US" altLang="ja-JP" sz="2800" dirty="0"/>
-              <a:t>Unity</a:t>
-            </a:r>
-            <a:r>
-              <a:rPr lang="ja-JP" altLang="en-US" sz="2800" dirty="0"/>
-              <a:t>３</a:t>
-            </a:r>
-            <a:r>
-              <a:rPr lang="en-US" altLang="ja-JP" sz="2800" dirty="0"/>
-              <a:t>D</a:t>
-            </a:r>
-            <a:r>
-              <a:rPr lang="ja-JP" altLang="en-US" sz="2800" dirty="0"/>
-              <a:t>：</a:t>
-            </a:r>
-            <a:r>
-              <a:rPr lang="en-US" altLang="ja-JP" sz="2800" dirty="0"/>
-              <a:t>43~80p</a:t>
-            </a:r>
-          </a:p>
-          <a:p>
-            <a:endParaRPr lang="en-US" altLang="ja-JP" sz="3200" dirty="0"/>
-          </a:p>
-          <a:p>
-            <a:endParaRPr lang="en-US" altLang="ja-JP" sz="3200" dirty="0"/>
-          </a:p>
-          <a:p>
-            <a:endParaRPr lang="ja-JP" altLang="en-US" sz="3200" dirty="0"/>
-          </a:p>
-        </p:txBody>
-      </p:sp>
-      <p:sp>
-        <p:nvSpPr>
-          <p:cNvPr id="7" name="コンテンツ プレースホルダー 2">
-            <a:extLst>
-              <a:ext uri="{FF2B5EF4-FFF2-40B4-BE49-F238E27FC236}">
-                <a16:creationId xmlns:a16="http://schemas.microsoft.com/office/drawing/2014/main" id="{5419A3E8-E979-4593-BC62-36C598E5375A}"/>
-              </a:ext>
-            </a:extLst>
-          </p:cNvPr>
-          <p:cNvSpPr>
-            <a:spLocks noGrp="1"/>
-          </p:cNvSpPr>
-          <p:nvPr>
-            <p:ph idx="1"/>
-          </p:nvPr>
-        </p:nvSpPr>
-        <p:spPr>
-          <a:xfrm>
-            <a:off x="7519048" y="2813908"/>
-            <a:ext cx="4483724" cy="3501167"/>
-          </a:xfrm>
-        </p:spPr>
-        <p:txBody>
-          <a:bodyPr>
-            <a:normAutofit/>
-          </a:bodyPr>
-          <a:lstStyle/>
-          <a:p>
-            <a:r>
-              <a:rPr kumimoji="1" lang="ja-JP" altLang="en-US" sz="3200" b="1" u="sng" dirty="0"/>
-              <a:t>アジェンダ</a:t>
-            </a:r>
-            <a:endParaRPr kumimoji="1" lang="en-US" altLang="ja-JP" sz="3200" b="1" u="sng" dirty="0"/>
-          </a:p>
-          <a:p>
-            <a:pPr marL="0" indent="0">
-              <a:buNone/>
-            </a:pPr>
-            <a:r>
-              <a:rPr lang="ja-JP" altLang="en-US" sz="2800" dirty="0"/>
-              <a:t>・</a:t>
-            </a:r>
-            <a:r>
-              <a:rPr lang="en-US" altLang="ja-JP" sz="2800" dirty="0"/>
-              <a:t>Unity</a:t>
-            </a:r>
-            <a:r>
-              <a:rPr lang="ja-JP" altLang="en-US" dirty="0"/>
-              <a:t>と</a:t>
-            </a:r>
-            <a:r>
-              <a:rPr lang="en-US" altLang="ja-JP" dirty="0"/>
-              <a:t>C#</a:t>
-            </a:r>
-          </a:p>
-          <a:p>
-            <a:pPr marL="0" indent="0">
-              <a:buNone/>
-            </a:pPr>
-            <a:r>
-              <a:rPr lang="ja-JP" altLang="en-US" dirty="0"/>
-              <a:t>・</a:t>
-            </a:r>
-            <a:r>
-              <a:rPr lang="en-US" altLang="ja-JP" dirty="0" err="1"/>
-              <a:t>Debug.Log</a:t>
-            </a:r>
-            <a:r>
-              <a:rPr lang="en-US" altLang="ja-JP" dirty="0"/>
-              <a:t>()</a:t>
-            </a:r>
-            <a:r>
-              <a:rPr lang="ja-JP" altLang="en-US" dirty="0"/>
-              <a:t>を知る</a:t>
-            </a:r>
-            <a:endParaRPr lang="en-US" altLang="ja-JP" dirty="0"/>
-          </a:p>
-          <a:p>
-            <a:pPr marL="0" indent="0">
-              <a:buNone/>
-            </a:pPr>
-            <a:r>
-              <a:rPr lang="ja-JP" altLang="en-US" dirty="0"/>
-              <a:t>・今日は苦しんで貰います</a:t>
-            </a:r>
-            <a:endParaRPr kumimoji="1" lang="en-US" altLang="ja-JP" sz="3200" dirty="0"/>
-          </a:p>
-          <a:p>
-            <a:endParaRPr kumimoji="1" lang="ja-JP" altLang="en-US" sz="3200" dirty="0"/>
-          </a:p>
-        </p:txBody>
-      </p:sp>
-      <p:sp>
-        <p:nvSpPr>
-          <p:cNvPr id="2" name="テキスト ボックス 1">
-            <a:extLst>
-              <a:ext uri="{FF2B5EF4-FFF2-40B4-BE49-F238E27FC236}">
-                <a16:creationId xmlns:a16="http://schemas.microsoft.com/office/drawing/2014/main" id="{9D99965B-D35B-4570-ABB2-6DD60619454E}"/>
-              </a:ext>
-            </a:extLst>
-          </p:cNvPr>
-          <p:cNvSpPr txBox="1"/>
-          <p:nvPr/>
-        </p:nvSpPr>
-        <p:spPr>
-          <a:xfrm>
-            <a:off x="642938" y="1371600"/>
-            <a:ext cx="5125121" cy="4401205"/>
-          </a:xfrm>
-          <a:prstGeom prst="rect">
-            <a:avLst/>
-          </a:prstGeom>
-          <a:noFill/>
-        </p:spPr>
-        <p:txBody>
-          <a:bodyPr wrap="none" rtlCol="0">
-            <a:spAutoFit/>
-          </a:bodyPr>
-          <a:lstStyle/>
-          <a:p>
-            <a:r>
-              <a:rPr lang="ja-JP" altLang="en-US" sz="2800" dirty="0"/>
-              <a:t>・</a:t>
-            </a:r>
-            <a:r>
-              <a:rPr lang="en-US" altLang="ja-JP" sz="2800" dirty="0"/>
-              <a:t>Unity</a:t>
-            </a:r>
-            <a:r>
-              <a:rPr lang="ja-JP" altLang="en-US" sz="2800" dirty="0"/>
-              <a:t>は</a:t>
+              <a:t>苦しんで覚える</a:t>
             </a:r>
             <a:r>
               <a:rPr lang="en-US" altLang="ja-JP" sz="2800" dirty="0"/>
               <a:t>C#</a:t>
             </a:r>
-            <a:r>
-              <a:rPr lang="ja-JP" altLang="en-US" sz="2800" dirty="0"/>
-              <a:t>で動かす</a:t>
-            </a:r>
-            <a:endParaRPr lang="en-US" altLang="ja-JP" sz="2800" dirty="0"/>
-          </a:p>
-          <a:p>
-            <a:r>
-              <a:rPr lang="ja-JP" altLang="en-US" sz="2800" dirty="0"/>
-              <a:t>　</a:t>
-            </a:r>
-            <a:endParaRPr lang="en-US" altLang="ja-JP" sz="2800" dirty="0"/>
-          </a:p>
-          <a:p>
-            <a:r>
-              <a:rPr kumimoji="1" lang="ja-JP" altLang="en-US" sz="2800" dirty="0"/>
-              <a:t>・</a:t>
-            </a:r>
-            <a:r>
-              <a:rPr kumimoji="1" lang="en-US" altLang="ja-JP" sz="2800" dirty="0"/>
-              <a:t>C#</a:t>
-            </a:r>
-            <a:r>
-              <a:rPr kumimoji="1" lang="ja-JP" altLang="en-US" sz="2800" dirty="0"/>
-              <a:t>は</a:t>
-            </a:r>
-            <a:r>
-              <a:rPr kumimoji="1" lang="en-US" altLang="ja-JP" sz="2800" dirty="0"/>
-              <a:t>Microsoft</a:t>
-            </a:r>
-            <a:r>
-              <a:rPr kumimoji="1" lang="ja-JP" altLang="en-US" sz="2800" dirty="0"/>
-              <a:t>開発</a:t>
-            </a:r>
-            <a:endParaRPr kumimoji="1" lang="en-US" altLang="ja-JP" sz="2800" dirty="0"/>
-          </a:p>
-          <a:p>
-            <a:endParaRPr lang="en-US" altLang="ja-JP" sz="2800" dirty="0"/>
-          </a:p>
-          <a:p>
-            <a:r>
-              <a:rPr kumimoji="1" lang="ja-JP" altLang="en-US" sz="2800" dirty="0"/>
-              <a:t>・</a:t>
-            </a:r>
-            <a:r>
-              <a:rPr kumimoji="1" lang="en-US" altLang="ja-JP" sz="2800" dirty="0"/>
-              <a:t>Start()</a:t>
-            </a:r>
-            <a:r>
-              <a:rPr kumimoji="1" lang="ja-JP" altLang="en-US" sz="2800" dirty="0"/>
-              <a:t>と</a:t>
-            </a:r>
-            <a:r>
-              <a:rPr kumimoji="1" lang="en-US" altLang="ja-JP" sz="2800" dirty="0"/>
-              <a:t>Update()</a:t>
-            </a:r>
-            <a:r>
-              <a:rPr kumimoji="1" lang="ja-JP" altLang="en-US" sz="2800" dirty="0"/>
-              <a:t>の意味</a:t>
-            </a:r>
-            <a:endParaRPr kumimoji="1" lang="en-US" altLang="ja-JP" sz="2800" dirty="0"/>
-          </a:p>
-          <a:p>
-            <a:endParaRPr lang="en-US" altLang="ja-JP" sz="2800" dirty="0"/>
-          </a:p>
-          <a:p>
-            <a:r>
-              <a:rPr kumimoji="1" lang="ja-JP" altLang="en-US" sz="2800" dirty="0"/>
-              <a:t>・</a:t>
-            </a:r>
-            <a:r>
-              <a:rPr kumimoji="1" lang="en-US" altLang="ja-JP" sz="2800" dirty="0" err="1"/>
-              <a:t>Debug.Log</a:t>
-            </a:r>
-            <a:r>
-              <a:rPr kumimoji="1" lang="en-US" altLang="ja-JP" sz="2800" dirty="0"/>
-              <a:t>()</a:t>
-            </a:r>
-            <a:r>
-              <a:rPr kumimoji="1" lang="ja-JP" altLang="en-US" sz="2800" dirty="0"/>
-              <a:t>は覚えておこう</a:t>
-            </a:r>
-            <a:endParaRPr kumimoji="1" lang="en-US" altLang="ja-JP" sz="2800" dirty="0"/>
-          </a:p>
-          <a:p>
-            <a:endParaRPr lang="en-US" altLang="ja-JP" sz="2800" dirty="0"/>
-          </a:p>
-          <a:p>
-            <a:r>
-              <a:rPr kumimoji="1" lang="ja-JP" altLang="en-US" sz="2800" dirty="0"/>
-              <a:t>・</a:t>
-            </a:r>
-            <a:r>
-              <a:rPr lang="en-US" altLang="ja-JP" sz="2800" dirty="0"/>
-              <a:t>C#</a:t>
-            </a:r>
-            <a:r>
-              <a:rPr lang="ja-JP" altLang="en-US" sz="2800" dirty="0"/>
-              <a:t>の勉強は必須</a:t>
-            </a:r>
-            <a:endParaRPr lang="en-US" altLang="ja-JP" sz="2800" dirty="0"/>
-          </a:p>
-          <a:p>
-            <a:endParaRPr lang="en-US" altLang="ja-JP" sz="2800" dirty="0"/>
           </a:p>
         </p:txBody>
       </p:sp>
